--- a/25G_Presentation.pptx
+++ b/25G_Presentation.pptx
@@ -5,11 +5,14 @@
     <p:sldMasterId id="2147483660" r:id="rId1"/>
     <p:sldMasterId id="2147483678" r:id="rId2"/>
   </p:sldMasterIdLst>
+  <p:notesMasterIdLst>
+    <p:notesMasterId r:id="rId18"/>
+  </p:notesMasterIdLst>
   <p:sldIdLst>
     <p:sldId id="257" r:id="rId3"/>
     <p:sldId id="266" r:id="rId4"/>
     <p:sldId id="265" r:id="rId5"/>
-    <p:sldId id="262" r:id="rId6"/>
+    <p:sldId id="279" r:id="rId6"/>
     <p:sldId id="260" r:id="rId7"/>
     <p:sldId id="267" r:id="rId8"/>
     <p:sldId id="263" r:id="rId9"/>
@@ -17,7 +20,7 @@
     <p:sldId id="269" r:id="rId11"/>
     <p:sldId id="276" r:id="rId12"/>
     <p:sldId id="277" r:id="rId13"/>
-    <p:sldId id="275" r:id="rId14"/>
+    <p:sldId id="281" r:id="rId14"/>
     <p:sldId id="272" r:id="rId15"/>
     <p:sldId id="270" r:id="rId16"/>
     <p:sldId id="273" r:id="rId17"/>
@@ -125,6 +128,479 @@
     </p:ext>
   </p:extLst>
 </p:presentation>
+</file>
+
+<file path=ppt/notesMasters/notesMaster1.xml><?xml version="1.0" encoding="utf-8"?>
+<p:notesMaster xmlns:a="http://schemas.openxmlformats.org/drawingml/2006/main" xmlns:r="http://schemas.openxmlformats.org/officeDocument/2006/relationships" xmlns:p="http://schemas.openxmlformats.org/presentationml/2006/main">
+  <p:cSld>
+    <p:bg>
+      <p:bgRef idx="1001">
+        <a:schemeClr val="bg1"/>
+      </p:bgRef>
+    </p:bg>
+    <p:spTree>
+      <p:nvGrpSpPr>
+        <p:cNvPr id="1" name=""/>
+        <p:cNvGrpSpPr/>
+        <p:nvPr/>
+      </p:nvGrpSpPr>
+      <p:grpSpPr>
+        <a:xfrm>
+          <a:off x="0" y="0"/>
+          <a:ext cx="0" cy="0"/>
+          <a:chOff x="0" y="0"/>
+          <a:chExt cx="0" cy="0"/>
+        </a:xfrm>
+      </p:grpSpPr>
+      <p:sp>
+        <p:nvSpPr>
+          <p:cNvPr id="2" name="Header Placeholder 1"/>
+          <p:cNvSpPr>
+            <a:spLocks noGrp="1"/>
+          </p:cNvSpPr>
+          <p:nvPr>
+            <p:ph type="hdr" sz="quarter"/>
+          </p:nvPr>
+        </p:nvSpPr>
+        <p:spPr>
+          <a:xfrm>
+            <a:off x="0" y="0"/>
+            <a:ext cx="2971800" cy="458788"/>
+          </a:xfrm>
+          <a:prstGeom prst="rect">
+            <a:avLst/>
+          </a:prstGeom>
+        </p:spPr>
+        <p:txBody>
+          <a:bodyPr vert="horz" lIns="91440" tIns="45720" rIns="91440" bIns="45720" rtlCol="0"/>
+          <a:lstStyle>
+            <a:lvl1pPr algn="l">
+              <a:defRPr sz="1200"/>
+            </a:lvl1pPr>
+          </a:lstStyle>
+          <a:p>
+            <a:endParaRPr lang="en-US"/>
+          </a:p>
+        </p:txBody>
+      </p:sp>
+      <p:sp>
+        <p:nvSpPr>
+          <p:cNvPr id="3" name="Date Placeholder 2"/>
+          <p:cNvSpPr>
+            <a:spLocks noGrp="1"/>
+          </p:cNvSpPr>
+          <p:nvPr>
+            <p:ph type="dt" idx="1"/>
+          </p:nvPr>
+        </p:nvSpPr>
+        <p:spPr>
+          <a:xfrm>
+            <a:off x="3884613" y="0"/>
+            <a:ext cx="2971800" cy="458788"/>
+          </a:xfrm>
+          <a:prstGeom prst="rect">
+            <a:avLst/>
+          </a:prstGeom>
+        </p:spPr>
+        <p:txBody>
+          <a:bodyPr vert="horz" lIns="91440" tIns="45720" rIns="91440" bIns="45720" rtlCol="0"/>
+          <a:lstStyle>
+            <a:lvl1pPr algn="r">
+              <a:defRPr sz="1200"/>
+            </a:lvl1pPr>
+          </a:lstStyle>
+          <a:p>
+            <a:fld id="{EEC24601-EFD4-48A0-9A13-AE0A58B27167}" type="datetimeFigureOut">
+              <a:rPr lang="en-US" smtClean="0"/>
+              <a:t>6/26/2017</a:t>
+            </a:fld>
+            <a:endParaRPr lang="en-US"/>
+          </a:p>
+        </p:txBody>
+      </p:sp>
+      <p:sp>
+        <p:nvSpPr>
+          <p:cNvPr id="4" name="Slide Image Placeholder 3"/>
+          <p:cNvSpPr>
+            <a:spLocks noGrp="1" noRot="1" noChangeAspect="1"/>
+          </p:cNvSpPr>
+          <p:nvPr>
+            <p:ph type="sldImg" idx="2"/>
+          </p:nvPr>
+        </p:nvSpPr>
+        <p:spPr>
+          <a:xfrm>
+            <a:off x="685800" y="1143000"/>
+            <a:ext cx="5486400" cy="3086100"/>
+          </a:xfrm>
+          <a:prstGeom prst="rect">
+            <a:avLst/>
+          </a:prstGeom>
+          <a:noFill/>
+          <a:ln w="12700">
+            <a:solidFill>
+              <a:prstClr val="black"/>
+            </a:solidFill>
+          </a:ln>
+        </p:spPr>
+        <p:txBody>
+          <a:bodyPr vert="horz" lIns="91440" tIns="45720" rIns="91440" bIns="45720" rtlCol="0" anchor="ctr"/>
+          <a:lstStyle/>
+          <a:p>
+            <a:endParaRPr lang="en-US"/>
+          </a:p>
+        </p:txBody>
+      </p:sp>
+      <p:sp>
+        <p:nvSpPr>
+          <p:cNvPr id="5" name="Notes Placeholder 4"/>
+          <p:cNvSpPr>
+            <a:spLocks noGrp="1"/>
+          </p:cNvSpPr>
+          <p:nvPr>
+            <p:ph type="body" sz="quarter" idx="3"/>
+          </p:nvPr>
+        </p:nvSpPr>
+        <p:spPr>
+          <a:xfrm>
+            <a:off x="685800" y="4400550"/>
+            <a:ext cx="5486400" cy="3600450"/>
+          </a:xfrm>
+          <a:prstGeom prst="rect">
+            <a:avLst/>
+          </a:prstGeom>
+        </p:spPr>
+        <p:txBody>
+          <a:bodyPr vert="horz" lIns="91440" tIns="45720" rIns="91440" bIns="45720" rtlCol="0"/>
+          <a:lstStyle/>
+          <a:p>
+            <a:pPr lvl="0"/>
+            <a:r>
+              <a:rPr lang="en-US" smtClean="0"/>
+              <a:t>Click to edit Master text styles</a:t>
+            </a:r>
+          </a:p>
+          <a:p>
+            <a:pPr lvl="1"/>
+            <a:r>
+              <a:rPr lang="en-US" smtClean="0"/>
+              <a:t>Second level</a:t>
+            </a:r>
+          </a:p>
+          <a:p>
+            <a:pPr lvl="2"/>
+            <a:r>
+              <a:rPr lang="en-US" smtClean="0"/>
+              <a:t>Third level</a:t>
+            </a:r>
+          </a:p>
+          <a:p>
+            <a:pPr lvl="3"/>
+            <a:r>
+              <a:rPr lang="en-US" smtClean="0"/>
+              <a:t>Fourth level</a:t>
+            </a:r>
+          </a:p>
+          <a:p>
+            <a:pPr lvl="4"/>
+            <a:r>
+              <a:rPr lang="en-US" smtClean="0"/>
+              <a:t>Fifth level</a:t>
+            </a:r>
+            <a:endParaRPr lang="en-US"/>
+          </a:p>
+        </p:txBody>
+      </p:sp>
+      <p:sp>
+        <p:nvSpPr>
+          <p:cNvPr id="6" name="Footer Placeholder 5"/>
+          <p:cNvSpPr>
+            <a:spLocks noGrp="1"/>
+          </p:cNvSpPr>
+          <p:nvPr>
+            <p:ph type="ftr" sz="quarter" idx="4"/>
+          </p:nvPr>
+        </p:nvSpPr>
+        <p:spPr>
+          <a:xfrm>
+            <a:off x="0" y="8685213"/>
+            <a:ext cx="2971800" cy="458787"/>
+          </a:xfrm>
+          <a:prstGeom prst="rect">
+            <a:avLst/>
+          </a:prstGeom>
+        </p:spPr>
+        <p:txBody>
+          <a:bodyPr vert="horz" lIns="91440" tIns="45720" rIns="91440" bIns="45720" rtlCol="0" anchor="b"/>
+          <a:lstStyle>
+            <a:lvl1pPr algn="l">
+              <a:defRPr sz="1200"/>
+            </a:lvl1pPr>
+          </a:lstStyle>
+          <a:p>
+            <a:endParaRPr lang="en-US"/>
+          </a:p>
+        </p:txBody>
+      </p:sp>
+      <p:sp>
+        <p:nvSpPr>
+          <p:cNvPr id="7" name="Slide Number Placeholder 6"/>
+          <p:cNvSpPr>
+            <a:spLocks noGrp="1"/>
+          </p:cNvSpPr>
+          <p:nvPr>
+            <p:ph type="sldNum" sz="quarter" idx="5"/>
+          </p:nvPr>
+        </p:nvSpPr>
+        <p:spPr>
+          <a:xfrm>
+            <a:off x="3884613" y="8685213"/>
+            <a:ext cx="2971800" cy="458787"/>
+          </a:xfrm>
+          <a:prstGeom prst="rect">
+            <a:avLst/>
+          </a:prstGeom>
+        </p:spPr>
+        <p:txBody>
+          <a:bodyPr vert="horz" lIns="91440" tIns="45720" rIns="91440" bIns="45720" rtlCol="0" anchor="b"/>
+          <a:lstStyle>
+            <a:lvl1pPr algn="r">
+              <a:defRPr sz="1200"/>
+            </a:lvl1pPr>
+          </a:lstStyle>
+          <a:p>
+            <a:fld id="{F146A3E9-83B7-40B7-95A7-4F1D7C796002}" type="slidenum">
+              <a:rPr lang="en-US" smtClean="0"/>
+              <a:t>‹#›</a:t>
+            </a:fld>
+            <a:endParaRPr lang="en-US"/>
+          </a:p>
+        </p:txBody>
+      </p:sp>
+    </p:spTree>
+    <p:extLst>
+      <p:ext uri="{BB962C8B-B14F-4D97-AF65-F5344CB8AC3E}">
+        <p14:creationId xmlns:p14="http://schemas.microsoft.com/office/powerpoint/2010/main" val="3393963014"/>
+      </p:ext>
+    </p:extLst>
+  </p:cSld>
+  <p:clrMap bg1="lt1" tx1="dk1" bg2="lt2" tx2="dk2" accent1="accent1" accent2="accent2" accent3="accent3" accent4="accent4" accent5="accent5" accent6="accent6" hlink="hlink" folHlink="folHlink"/>
+  <p:notesStyle>
+    <a:lvl1pPr marL="0" algn="l" defTabSz="914400" rtl="0" eaLnBrk="1" latinLnBrk="0" hangingPunct="1">
+      <a:defRPr sz="1200" kern="1200">
+        <a:solidFill>
+          <a:schemeClr val="tx1"/>
+        </a:solidFill>
+        <a:latin typeface="+mn-lt"/>
+        <a:ea typeface="+mn-ea"/>
+        <a:cs typeface="+mn-cs"/>
+      </a:defRPr>
+    </a:lvl1pPr>
+    <a:lvl2pPr marL="457200" algn="l" defTabSz="914400" rtl="0" eaLnBrk="1" latinLnBrk="0" hangingPunct="1">
+      <a:defRPr sz="1200" kern="1200">
+        <a:solidFill>
+          <a:schemeClr val="tx1"/>
+        </a:solidFill>
+        <a:latin typeface="+mn-lt"/>
+        <a:ea typeface="+mn-ea"/>
+        <a:cs typeface="+mn-cs"/>
+      </a:defRPr>
+    </a:lvl2pPr>
+    <a:lvl3pPr marL="914400" algn="l" defTabSz="914400" rtl="0" eaLnBrk="1" latinLnBrk="0" hangingPunct="1">
+      <a:defRPr sz="1200" kern="1200">
+        <a:solidFill>
+          <a:schemeClr val="tx1"/>
+        </a:solidFill>
+        <a:latin typeface="+mn-lt"/>
+        <a:ea typeface="+mn-ea"/>
+        <a:cs typeface="+mn-cs"/>
+      </a:defRPr>
+    </a:lvl3pPr>
+    <a:lvl4pPr marL="1371600" algn="l" defTabSz="914400" rtl="0" eaLnBrk="1" latinLnBrk="0" hangingPunct="1">
+      <a:defRPr sz="1200" kern="1200">
+        <a:solidFill>
+          <a:schemeClr val="tx1"/>
+        </a:solidFill>
+        <a:latin typeface="+mn-lt"/>
+        <a:ea typeface="+mn-ea"/>
+        <a:cs typeface="+mn-cs"/>
+      </a:defRPr>
+    </a:lvl4pPr>
+    <a:lvl5pPr marL="1828800" algn="l" defTabSz="914400" rtl="0" eaLnBrk="1" latinLnBrk="0" hangingPunct="1">
+      <a:defRPr sz="1200" kern="1200">
+        <a:solidFill>
+          <a:schemeClr val="tx1"/>
+        </a:solidFill>
+        <a:latin typeface="+mn-lt"/>
+        <a:ea typeface="+mn-ea"/>
+        <a:cs typeface="+mn-cs"/>
+      </a:defRPr>
+    </a:lvl5pPr>
+    <a:lvl6pPr marL="2286000" algn="l" defTabSz="914400" rtl="0" eaLnBrk="1" latinLnBrk="0" hangingPunct="1">
+      <a:defRPr sz="1200" kern="1200">
+        <a:solidFill>
+          <a:schemeClr val="tx1"/>
+        </a:solidFill>
+        <a:latin typeface="+mn-lt"/>
+        <a:ea typeface="+mn-ea"/>
+        <a:cs typeface="+mn-cs"/>
+      </a:defRPr>
+    </a:lvl6pPr>
+    <a:lvl7pPr marL="2743200" algn="l" defTabSz="914400" rtl="0" eaLnBrk="1" latinLnBrk="0" hangingPunct="1">
+      <a:defRPr sz="1200" kern="1200">
+        <a:solidFill>
+          <a:schemeClr val="tx1"/>
+        </a:solidFill>
+        <a:latin typeface="+mn-lt"/>
+        <a:ea typeface="+mn-ea"/>
+        <a:cs typeface="+mn-cs"/>
+      </a:defRPr>
+    </a:lvl7pPr>
+    <a:lvl8pPr marL="3200400" algn="l" defTabSz="914400" rtl="0" eaLnBrk="1" latinLnBrk="0" hangingPunct="1">
+      <a:defRPr sz="1200" kern="1200">
+        <a:solidFill>
+          <a:schemeClr val="tx1"/>
+        </a:solidFill>
+        <a:latin typeface="+mn-lt"/>
+        <a:ea typeface="+mn-ea"/>
+        <a:cs typeface="+mn-cs"/>
+      </a:defRPr>
+    </a:lvl8pPr>
+    <a:lvl9pPr marL="3657600" algn="l" defTabSz="914400" rtl="0" eaLnBrk="1" latinLnBrk="0" hangingPunct="1">
+      <a:defRPr sz="1200" kern="1200">
+        <a:solidFill>
+          <a:schemeClr val="tx1"/>
+        </a:solidFill>
+        <a:latin typeface="+mn-lt"/>
+        <a:ea typeface="+mn-ea"/>
+        <a:cs typeface="+mn-cs"/>
+      </a:defRPr>
+    </a:lvl9pPr>
+  </p:notesStyle>
+</p:notesMaster>
+</file>
+
+<file path=ppt/notesSlides/notesSlide1.xml><?xml version="1.0" encoding="utf-8"?>
+<p:notes xmlns:a="http://schemas.openxmlformats.org/drawingml/2006/main" xmlns:r="http://schemas.openxmlformats.org/officeDocument/2006/relationships" xmlns:p="http://schemas.openxmlformats.org/presentationml/2006/main">
+  <p:cSld>
+    <p:spTree>
+      <p:nvGrpSpPr>
+        <p:cNvPr id="1" name=""/>
+        <p:cNvGrpSpPr/>
+        <p:nvPr/>
+      </p:nvGrpSpPr>
+      <p:grpSpPr>
+        <a:xfrm>
+          <a:off x="0" y="0"/>
+          <a:ext cx="0" cy="0"/>
+          <a:chOff x="0" y="0"/>
+          <a:chExt cx="0" cy="0"/>
+        </a:xfrm>
+      </p:grpSpPr>
+      <p:sp>
+        <p:nvSpPr>
+          <p:cNvPr id="2" name="Slide Image Placeholder 1"/>
+          <p:cNvSpPr>
+            <a:spLocks noGrp="1" noRot="1" noChangeAspect="1"/>
+          </p:cNvSpPr>
+          <p:nvPr>
+            <p:ph type="sldImg"/>
+          </p:nvPr>
+        </p:nvSpPr>
+        <p:spPr/>
+      </p:sp>
+      <p:sp>
+        <p:nvSpPr>
+          <p:cNvPr id="3" name="Notes Placeholder 2"/>
+          <p:cNvSpPr>
+            <a:spLocks noGrp="1"/>
+          </p:cNvSpPr>
+          <p:nvPr>
+            <p:ph type="body" idx="1"/>
+          </p:nvPr>
+        </p:nvSpPr>
+        <p:spPr/>
+        <p:txBody>
+          <a:bodyPr/>
+          <a:lstStyle/>
+          <a:p>
+            <a:pPr marL="0" marR="0" lvl="0" indent="0" algn="l" defTabSz="914400" rtl="0" eaLnBrk="1" fontAlgn="auto" latinLnBrk="0" hangingPunct="1">
+              <a:lnSpc>
+                <a:spcPct val="100000"/>
+              </a:lnSpc>
+              <a:spcBef>
+                <a:spcPts val="0"/>
+              </a:spcBef>
+              <a:spcAft>
+                <a:spcPts val="0"/>
+              </a:spcAft>
+              <a:buClrTx/>
+              <a:buSzTx/>
+              <a:buFontTx/>
+              <a:buNone/>
+              <a:tabLst/>
+              <a:defRPr/>
+            </a:pPr>
+            <a:r>
+              <a:rPr lang="en-US" sz="1200" b="0" dirty="0" smtClean="0"/>
+              <a:t>- Limited knowledge of structure and</a:t>
+            </a:r>
+            <a:r>
+              <a:rPr lang="en-US" sz="1200" b="0" baseline="0" dirty="0" smtClean="0"/>
+              <a:t> </a:t>
+            </a:r>
+            <a:r>
+              <a:rPr lang="en-US" sz="1200" b="0" dirty="0" smtClean="0"/>
+              <a:t>operation of </a:t>
+            </a:r>
+            <a:r>
+              <a:rPr lang="en-US" sz="1200" b="0" dirty="0" err="1" smtClean="0"/>
+              <a:t>RCar</a:t>
+            </a:r>
+            <a:r>
+              <a:rPr lang="en-US" sz="1200" b="0" dirty="0" smtClean="0"/>
+              <a:t>, RZ/G series.</a:t>
+            </a:r>
+          </a:p>
+          <a:p>
+            <a:endParaRPr lang="en-US" dirty="0"/>
+          </a:p>
+        </p:txBody>
+      </p:sp>
+      <p:sp>
+        <p:nvSpPr>
+          <p:cNvPr id="4" name="Slide Number Placeholder 3"/>
+          <p:cNvSpPr>
+            <a:spLocks noGrp="1"/>
+          </p:cNvSpPr>
+          <p:nvPr>
+            <p:ph type="sldNum" sz="quarter" idx="10"/>
+          </p:nvPr>
+        </p:nvSpPr>
+        <p:spPr/>
+        <p:txBody>
+          <a:bodyPr/>
+          <a:lstStyle/>
+          <a:p>
+            <a:fld id="{F146A3E9-83B7-40B7-95A7-4F1D7C796002}" type="slidenum">
+              <a:rPr lang="en-US" smtClean="0"/>
+              <a:t>5</a:t>
+            </a:fld>
+            <a:endParaRPr lang="en-US"/>
+          </a:p>
+        </p:txBody>
+      </p:sp>
+    </p:spTree>
+    <p:extLst>
+      <p:ext uri="{BB962C8B-B14F-4D97-AF65-F5344CB8AC3E}">
+        <p14:creationId xmlns:p14="http://schemas.microsoft.com/office/powerpoint/2010/main" val="3685203121"/>
+      </p:ext>
+    </p:extLst>
+  </p:cSld>
+  <p:clrMapOvr>
+    <a:masterClrMapping/>
+  </p:clrMapOvr>
+</p:notes>
 </file>
 
 <file path=ppt/slideLayouts/slideLayout1.xml><?xml version="1.0" encoding="utf-8"?>
@@ -9824,7 +10300,7 @@
           <a:p>
             <a:r>
               <a:rPr lang="en-US" altLang="ja-JP" sz="4000" dirty="0" smtClean="0"/>
-              <a:t>23g mentor-mentee</a:t>
+              <a:t>25g mentor-mentee</a:t>
             </a:r>
           </a:p>
           <a:p>
@@ -9962,7 +10438,7 @@
         <p:spPr>
           <a:xfrm>
             <a:off x="1080000" y="936000"/>
-            <a:ext cx="8520000" cy="443198"/>
+            <a:ext cx="4130629" cy="443198"/>
           </a:xfrm>
         </p:spPr>
         <p:txBody>
@@ -9981,7 +10457,6 @@
               <a:rPr lang="en-US" dirty="0"/>
               <a:t>)</a:t>
             </a:r>
-            <a:endParaRPr lang="en-US" dirty="0"/>
           </a:p>
         </p:txBody>
       </p:sp>
@@ -10024,14 +10499,14 @@
             <p:ph idx="1"/>
             <p:extLst>
               <p:ext uri="{D42A27DB-BD31-4B8C-83A1-F6EECF244321}">
-                <p14:modId xmlns:p14="http://schemas.microsoft.com/office/powerpoint/2010/main" val="2163411843"/>
+                <p14:modId xmlns:p14="http://schemas.microsoft.com/office/powerpoint/2010/main" val="4212636696"/>
               </p:ext>
             </p:extLst>
           </p:nvPr>
         </p:nvGraphicFramePr>
         <p:xfrm>
-          <a:off x="518616" y="1604524"/>
-          <a:ext cx="11191164" cy="4663440"/>
+          <a:off x="504968" y="1600883"/>
+          <a:ext cx="11191164" cy="4647340"/>
         </p:xfrm>
         <a:graphic>
           <a:graphicData uri="http://schemas.openxmlformats.org/drawingml/2006/table">
@@ -10045,7 +10520,7 @@
                 <a:gridCol w="2880360"/>
                 <a:gridCol w="1432332"/>
               </a:tblGrid>
-              <a:tr h="618975">
+              <a:tr h="556180">
                 <a:tc>
                   <a:txBody>
                     <a:bodyPr/>
@@ -10094,7 +10569,7 @@
                           <a:ea typeface="+mn-ea"/>
                           <a:cs typeface="+mn-cs"/>
                         </a:rPr>
-                        <a:t>Mentee Action </a:t>
+                        <a:t>Mentee’s Action </a:t>
                       </a:r>
                       <a:endParaRPr lang="vi-VN" dirty="0"/>
                     </a:p>
@@ -10116,7 +10591,7 @@
                           <a:ea typeface="+mn-ea"/>
                           <a:cs typeface="+mn-cs"/>
                         </a:rPr>
-                        <a:t>Mentor Action </a:t>
+                        <a:t>Mentor’s Action </a:t>
                       </a:r>
                       <a:endParaRPr lang="vi-VN" dirty="0"/>
                     </a:p>
@@ -10157,7 +10632,7 @@
                   <a:tcPr/>
                 </a:tc>
               </a:tr>
-              <a:tr h="1031625">
+              <a:tr h="926967">
                 <a:tc>
                   <a:txBody>
                     <a:bodyPr/>
@@ -10179,7 +10654,7 @@
                     <a:p>
                       <a:r>
                         <a:rPr lang="en-US" sz="1600" dirty="0" smtClean="0"/>
-                        <a:t>- Create programs using C, Shell script language in</a:t>
+                        <a:t>- Create programs using C</a:t>
                       </a:r>
                       <a:r>
                         <a:rPr lang="en-US" sz="1600" baseline="0" dirty="0" smtClean="0"/>
@@ -10187,7 +10662,15 @@
                       </a:r>
                       <a:r>
                         <a:rPr lang="en-US" sz="1600" dirty="0" smtClean="0"/>
-                        <a:t>Qualified Solution project, IT and ST tasks.</a:t>
+                        <a:t>in</a:t>
+                      </a:r>
+                      <a:r>
+                        <a:rPr lang="en-US" sz="1600" baseline="0" dirty="0" smtClean="0"/>
+                        <a:t> </a:t>
+                      </a:r>
+                      <a:r>
+                        <a:rPr lang="en-US" sz="1600" dirty="0" smtClean="0"/>
+                        <a:t>UT, IT and ST tasks.</a:t>
                       </a:r>
                     </a:p>
                     <a:p>
@@ -10221,7 +10704,11 @@
                     <a:p>
                       <a:r>
                         <a:rPr lang="en-US" sz="1600" dirty="0" smtClean="0"/>
-                        <a:t>- Check outputs and give feedback.</a:t>
+                        <a:t>- Check outputs and</a:t>
+                      </a:r>
+                      <a:r>
+                        <a:rPr lang="en-US" sz="1600" baseline="0" dirty="0" smtClean="0"/>
+                        <a:t> confirm</a:t>
                       </a:r>
                       <a:endParaRPr lang="vi-VN" sz="1600" dirty="0"/>
                     </a:p>
@@ -10233,13 +10720,17 @@
                     <a:bodyPr/>
                     <a:lstStyle/>
                     <a:p>
+                      <a:r>
+                        <a:rPr lang="en-US" sz="1600" dirty="0" smtClean="0"/>
+                        <a:t>Nov, 2018</a:t>
+                      </a:r>
                       <a:endParaRPr lang="vi-VN" sz="1600" dirty="0"/>
                     </a:p>
                   </a:txBody>
                   <a:tcPr/>
                 </a:tc>
               </a:tr>
-              <a:tr h="1031625">
+              <a:tr h="926967">
                 <a:tc>
                   <a:txBody>
                     <a:bodyPr/>
@@ -10290,23 +10781,7 @@
                     <a:p>
                       <a:r>
                         <a:rPr lang="en-US" sz="1600" dirty="0" smtClean="0"/>
-                        <a:t>- Report analysis result and propose</a:t>
-                      </a:r>
-                      <a:r>
-                        <a:rPr lang="en-US" sz="1600" baseline="0" dirty="0" smtClean="0"/>
-                        <a:t> </a:t>
-                      </a:r>
-                      <a:r>
-                        <a:rPr lang="en-US" sz="1600" dirty="0" smtClean="0"/>
-                        <a:t>solution/prevention</a:t>
-                      </a:r>
-                      <a:r>
-                        <a:rPr lang="en-US" sz="1600" baseline="0" dirty="0" smtClean="0"/>
-                        <a:t> </a:t>
-                      </a:r>
-                      <a:r>
-                        <a:rPr lang="en-US" sz="1600" dirty="0" smtClean="0"/>
-                        <a:t>for similar problems</a:t>
+                        <a:t>- Report analysis result and propose solution for similar problems</a:t>
                       </a:r>
                       <a:endParaRPr lang="vi-VN" sz="1600" dirty="0"/>
                     </a:p>
@@ -10340,13 +10815,37 @@
                     <a:bodyPr/>
                     <a:lstStyle/>
                     <a:p>
-                      <a:endParaRPr lang="vi-VN" sz="1600"/>
+                      <a:pPr marL="0" marR="0" lvl="0" indent="0" algn="l" defTabSz="914400" rtl="0" eaLnBrk="1" fontAlgn="auto" latinLnBrk="0" hangingPunct="1">
+                        <a:lnSpc>
+                          <a:spcPct val="100000"/>
+                        </a:lnSpc>
+                        <a:spcBef>
+                          <a:spcPts val="0"/>
+                        </a:spcBef>
+                        <a:spcAft>
+                          <a:spcPts val="0"/>
+                        </a:spcAft>
+                        <a:buClrTx/>
+                        <a:buSzTx/>
+                        <a:buFontTx/>
+                        <a:buNone/>
+                        <a:tabLst/>
+                        <a:defRPr/>
+                      </a:pPr>
+                      <a:r>
+                        <a:rPr lang="en-US" sz="1600" dirty="0" smtClean="0"/>
+                        <a:t>Nov, 2018</a:t>
+                      </a:r>
+                      <a:endParaRPr lang="vi-VN" sz="1600" dirty="0" smtClean="0"/>
+                    </a:p>
+                    <a:p>
+                      <a:endParaRPr lang="vi-VN" sz="1600" dirty="0"/>
                     </a:p>
                   </a:txBody>
                   <a:tcPr/>
                 </a:tc>
               </a:tr>
-              <a:tr h="795825">
+              <a:tr h="610905">
                 <a:tc>
                   <a:txBody>
                     <a:bodyPr/>
@@ -10368,13 +10867,15 @@
                     <a:p>
                       <a:r>
                         <a:rPr lang="en-US" sz="1600" dirty="0" smtClean="0"/>
-                        <a:t>- Learn and apply C, Script programming coding rules in</a:t>
-                      </a:r>
-                    </a:p>
-                    <a:p>
+                        <a:t>- Study and apply C, Script programming coding rules in</a:t>
+                      </a:r>
+                      <a:r>
+                        <a:rPr lang="en-US" sz="1600" baseline="0" dirty="0" smtClean="0"/>
+                        <a:t> </a:t>
+                      </a:r>
                       <a:r>
                         <a:rPr lang="en-US" sz="1600" dirty="0" smtClean="0"/>
-                        <a:t>tasks to create clean code, easy to read and maintain.</a:t>
+                        <a:t>tasks to create clean code, easy to read</a:t>
                       </a:r>
                       <a:endParaRPr lang="vi-VN" sz="1600" dirty="0"/>
                     </a:p>
@@ -10388,7 +10889,7 @@
                     <a:p>
                       <a:r>
                         <a:rPr lang="en-US" sz="1600" dirty="0" smtClean="0"/>
-                        <a:t>- Check and feedback on mentee’s</a:t>
+                        <a:t>- Check and feedback about</a:t>
                       </a:r>
                       <a:r>
                         <a:rPr lang="en-US" sz="1600" baseline="0" dirty="0" smtClean="0"/>
@@ -10408,13 +10909,37 @@
                     <a:bodyPr/>
                     <a:lstStyle/>
                     <a:p>
-                      <a:endParaRPr lang="vi-VN" sz="1600"/>
+                      <a:pPr marL="0" marR="0" lvl="0" indent="0" algn="l" defTabSz="914400" rtl="0" eaLnBrk="1" fontAlgn="auto" latinLnBrk="0" hangingPunct="1">
+                        <a:lnSpc>
+                          <a:spcPct val="100000"/>
+                        </a:lnSpc>
+                        <a:spcBef>
+                          <a:spcPts val="0"/>
+                        </a:spcBef>
+                        <a:spcAft>
+                          <a:spcPts val="0"/>
+                        </a:spcAft>
+                        <a:buClrTx/>
+                        <a:buSzTx/>
+                        <a:buFontTx/>
+                        <a:buNone/>
+                        <a:tabLst/>
+                        <a:defRPr/>
+                      </a:pPr>
+                      <a:r>
+                        <a:rPr lang="en-US" sz="1600" dirty="0" smtClean="0"/>
+                        <a:t>Nov, 2018</a:t>
+                      </a:r>
+                      <a:endParaRPr lang="vi-VN" sz="1600" dirty="0" smtClean="0"/>
+                    </a:p>
+                    <a:p>
+                      <a:endParaRPr lang="vi-VN" sz="1600" dirty="0"/>
                     </a:p>
                   </a:txBody>
                   <a:tcPr/>
                 </a:tc>
               </a:tr>
-              <a:tr h="1031625">
+              <a:tr h="579628">
                 <a:tc>
                   <a:txBody>
                     <a:bodyPr/>
@@ -10455,40 +10980,6 @@
                         </a:rPr>
                         <a:t>environment</a:t>
                       </a:r>
-                      <a:br>
-                        <a:rPr kumimoji="1" lang="vi-VN" sz="1600" i="0" kern="1200" dirty="0" smtClean="0">
-                          <a:solidFill>
-                            <a:schemeClr val="dk1"/>
-                          </a:solidFill>
-                          <a:effectLst/>
-                          <a:latin typeface="+mn-lt"/>
-                          <a:ea typeface="+mn-ea"/>
-                          <a:cs typeface="+mn-cs"/>
-                        </a:rPr>
-                      </a:br>
-                      <a:r>
-                        <a:rPr kumimoji="1" lang="vi-VN" sz="1600" i="0" kern="1200" dirty="0" smtClean="0">
-                          <a:solidFill>
-                            <a:schemeClr val="dk1"/>
-                          </a:solidFill>
-                          <a:effectLst/>
-                          <a:latin typeface="+mn-lt"/>
-                          <a:ea typeface="+mn-ea"/>
-                          <a:cs typeface="+mn-cs"/>
-                        </a:rPr>
-                        <a:t/>
-                      </a:r>
-                      <a:br>
-                        <a:rPr kumimoji="1" lang="vi-VN" sz="1600" i="0" kern="1200" dirty="0" smtClean="0">
-                          <a:solidFill>
-                            <a:schemeClr val="dk1"/>
-                          </a:solidFill>
-                          <a:effectLst/>
-                          <a:latin typeface="+mn-lt"/>
-                          <a:ea typeface="+mn-ea"/>
-                          <a:cs typeface="+mn-cs"/>
-                        </a:rPr>
-                      </a:br>
                       <a:endParaRPr lang="vi-VN" sz="1600" dirty="0"/>
                     </a:p>
                   </a:txBody>
@@ -10521,7 +11012,7 @@
                       </a:r>
                       <a:r>
                         <a:rPr lang="en-US" sz="1600" dirty="0" err="1" smtClean="0"/>
-                        <a:t>Gstreamer</a:t>
+                        <a:t>GStreamer</a:t>
                       </a:r>
                       <a:r>
                         <a:rPr lang="en-US" sz="1600" dirty="0" smtClean="0"/>
@@ -10553,7 +11044,7 @@
                       </a:r>
                       <a:r>
                         <a:rPr lang="en-US" sz="1600" dirty="0" smtClean="0"/>
-                        <a:t>mentee on unclear points.</a:t>
+                        <a:t>on unclear points.</a:t>
                       </a:r>
                       <a:endParaRPr lang="vi-VN" sz="1600" dirty="0"/>
                     </a:p>
@@ -10565,6 +11056,112 @@
                     <a:bodyPr/>
                     <a:lstStyle/>
                     <a:p>
+                      <a:r>
+                        <a:rPr lang="en-US" sz="1600" dirty="0" smtClean="0"/>
+                        <a:t>Jan, 2019</a:t>
+                      </a:r>
+                      <a:endParaRPr lang="vi-VN" sz="1600" dirty="0"/>
+                    </a:p>
+                  </a:txBody>
+                  <a:tcPr/>
+                </a:tc>
+              </a:tr>
+              <a:tr h="715089">
+                <a:tc>
+                  <a:txBody>
+                    <a:bodyPr/>
+                    <a:lstStyle/>
+                    <a:p>
+                      <a:r>
+                        <a:rPr lang="vi-VN" sz="1600" dirty="0" smtClean="0"/>
+                        <a:t>Software development</a:t>
+                      </a:r>
+                    </a:p>
+                    <a:p>
+                      <a:r>
+                        <a:rPr lang="vi-VN" sz="1600" dirty="0" smtClean="0"/>
+                        <a:t>Methodology</a:t>
+                      </a:r>
+                      <a:endParaRPr lang="vi-VN" sz="1600" dirty="0"/>
+                    </a:p>
+                  </a:txBody>
+                  <a:tcPr/>
+                </a:tc>
+                <a:tc>
+                  <a:txBody>
+                    <a:bodyPr/>
+                    <a:lstStyle/>
+                    <a:p>
+                      <a:r>
+                        <a:rPr lang="en-US" sz="1600" dirty="0" smtClean="0"/>
+                        <a:t>- Investigate structure design, practice object-oriented</a:t>
+                      </a:r>
+                    </a:p>
+                    <a:p>
+                      <a:r>
+                        <a:rPr lang="en-US" sz="1600" dirty="0" smtClean="0"/>
+                        <a:t>programming with </a:t>
+                      </a:r>
+                      <a:r>
+                        <a:rPr lang="en-US" sz="1600" dirty="0" err="1" smtClean="0"/>
+                        <a:t>Qt</a:t>
+                      </a:r>
+                      <a:r>
+                        <a:rPr lang="en-US" sz="1600" dirty="0" smtClean="0"/>
+                        <a:t>, </a:t>
+                      </a:r>
+                      <a:r>
+                        <a:rPr lang="en-US" sz="1600" dirty="0" err="1" smtClean="0"/>
+                        <a:t>GStreamer</a:t>
+                      </a:r>
+                      <a:r>
+                        <a:rPr lang="en-US" sz="1600" dirty="0" smtClean="0"/>
+                        <a:t>.</a:t>
+                      </a:r>
+                      <a:endParaRPr lang="vi-VN" sz="1600" dirty="0"/>
+                    </a:p>
+                  </a:txBody>
+                  <a:tcPr/>
+                </a:tc>
+                <a:tc>
+                  <a:txBody>
+                    <a:bodyPr/>
+                    <a:lstStyle/>
+                    <a:p>
+                      <a:r>
+                        <a:rPr lang="en-US" sz="1600" dirty="0" smtClean="0"/>
+                        <a:t>- Provide materials, guide and</a:t>
+                      </a:r>
+                      <a:r>
+                        <a:rPr lang="en-US" sz="1600" baseline="0" dirty="0" smtClean="0"/>
+                        <a:t> </a:t>
+                      </a:r>
+                      <a:r>
+                        <a:rPr lang="en-US" sz="1600" dirty="0" smtClean="0"/>
+                        <a:t>support on</a:t>
+                      </a:r>
+                      <a:r>
+                        <a:rPr lang="en-US" sz="1600" baseline="0" dirty="0" smtClean="0"/>
+                        <a:t> </a:t>
+                      </a:r>
+                      <a:r>
+                        <a:rPr lang="en-US" sz="1600" dirty="0" smtClean="0"/>
+                        <a:t>unclear points</a:t>
+                      </a:r>
+                      <a:endParaRPr lang="vi-VN" sz="1600" dirty="0"/>
+                    </a:p>
+                  </a:txBody>
+                  <a:tcPr/>
+                </a:tc>
+                <a:tc>
+                  <a:txBody>
+                    <a:bodyPr/>
+                    <a:lstStyle/>
+                    <a:p>
+                      <a:r>
+                        <a:rPr lang="en-US" sz="1600" dirty="0" smtClean="0"/>
+                        <a:t>Apr, 2019</a:t>
+                      </a:r>
                       <a:endParaRPr lang="vi-VN" sz="1600" dirty="0"/>
                     </a:p>
                   </a:txBody>
@@ -10625,7 +11222,7 @@
         <p:spPr>
           <a:xfrm>
             <a:off x="1080000" y="936000"/>
-            <a:ext cx="8520000" cy="443198"/>
+            <a:ext cx="3811314" cy="443198"/>
           </a:xfrm>
         </p:spPr>
         <p:txBody>
@@ -10644,7 +11241,6 @@
               <a:rPr lang="en-US" dirty="0"/>
               <a:t>)</a:t>
             </a:r>
-            <a:endParaRPr lang="en-US" dirty="0"/>
           </a:p>
         </p:txBody>
       </p:sp>
@@ -10687,14 +11283,14 @@
             <p:ph idx="1"/>
             <p:extLst>
               <p:ext uri="{D42A27DB-BD31-4B8C-83A1-F6EECF244321}">
-                <p14:modId xmlns:p14="http://schemas.microsoft.com/office/powerpoint/2010/main" val="2795612507"/>
+                <p14:modId xmlns:p14="http://schemas.microsoft.com/office/powerpoint/2010/main" val="1488899237"/>
               </p:ext>
             </p:extLst>
           </p:nvPr>
         </p:nvGraphicFramePr>
         <p:xfrm>
-          <a:off x="518616" y="1604525"/>
-          <a:ext cx="11191164" cy="4663440"/>
+          <a:off x="504968" y="1604526"/>
+          <a:ext cx="11191164" cy="4577598"/>
         </p:xfrm>
         <a:graphic>
           <a:graphicData uri="http://schemas.openxmlformats.org/drawingml/2006/table">
@@ -10708,7 +11304,7 @@
                 <a:gridCol w="2825088"/>
                 <a:gridCol w="1432332"/>
               </a:tblGrid>
-              <a:tr h="614385">
+              <a:tr h="613037">
                 <a:tc>
                   <a:txBody>
                     <a:bodyPr/>
@@ -10757,7 +11353,7 @@
                           <a:ea typeface="+mn-ea"/>
                           <a:cs typeface="+mn-cs"/>
                         </a:rPr>
-                        <a:t>Mentee Action </a:t>
+                        <a:t>Mentee’s Action </a:t>
                       </a:r>
                       <a:endParaRPr lang="vi-VN" dirty="0"/>
                     </a:p>
@@ -10779,7 +11375,7 @@
                           <a:ea typeface="+mn-ea"/>
                           <a:cs typeface="+mn-cs"/>
                         </a:rPr>
-                        <a:t>Mentor Action </a:t>
+                        <a:t>Mentor’s Action </a:t>
                       </a:r>
                       <a:endParaRPr lang="vi-VN" dirty="0"/>
                     </a:p>
@@ -10820,89 +11416,7 @@
                   <a:tcPr/>
                 </a:tc>
               </a:tr>
-              <a:tr h="789924">
-                <a:tc>
-                  <a:txBody>
-                    <a:bodyPr/>
-                    <a:lstStyle/>
-                    <a:p>
-                      <a:r>
-                        <a:rPr lang="vi-VN" sz="1600" dirty="0" smtClean="0"/>
-                        <a:t>Software development</a:t>
-                      </a:r>
-                    </a:p>
-                    <a:p>
-                      <a:r>
-                        <a:rPr lang="vi-VN" sz="1600" dirty="0" smtClean="0"/>
-                        <a:t>methodology</a:t>
-                      </a:r>
-                      <a:endParaRPr lang="vi-VN" sz="1600" dirty="0"/>
-                    </a:p>
-                  </a:txBody>
-                  <a:tcPr/>
-                </a:tc>
-                <a:tc>
-                  <a:txBody>
-                    <a:bodyPr/>
-                    <a:lstStyle/>
-                    <a:p>
-                      <a:r>
-                        <a:rPr lang="en-US" sz="1600" dirty="0" smtClean="0"/>
-                        <a:t>- Investigate structure design, practice object-oriented</a:t>
-                      </a:r>
-                    </a:p>
-                    <a:p>
-                      <a:r>
-                        <a:rPr lang="en-US" sz="1600" dirty="0" smtClean="0"/>
-                        <a:t>programming with Qt.</a:t>
-                      </a:r>
-                      <a:endParaRPr lang="vi-VN" sz="1600" dirty="0"/>
-                    </a:p>
-                  </a:txBody>
-                  <a:tcPr/>
-                </a:tc>
-                <a:tc>
-                  <a:txBody>
-                    <a:bodyPr/>
-                    <a:lstStyle/>
-                    <a:p>
-                      <a:r>
-                        <a:rPr lang="en-US" sz="1600" dirty="0" smtClean="0"/>
-                        <a:t>- Provide materials, guide and</a:t>
-                      </a:r>
-                      <a:r>
-                        <a:rPr lang="en-US" sz="1600" baseline="0" dirty="0" smtClean="0"/>
-                        <a:t> </a:t>
-                      </a:r>
-                      <a:r>
-                        <a:rPr lang="en-US" sz="1600" dirty="0" smtClean="0"/>
-                        <a:t>support mentee on</a:t>
-                      </a:r>
-                      <a:r>
-                        <a:rPr lang="en-US" sz="1600" baseline="0" dirty="0" smtClean="0"/>
-                        <a:t> </a:t>
-                      </a:r>
-                      <a:r>
-                        <a:rPr lang="en-US" sz="1600" dirty="0" smtClean="0"/>
-                        <a:t>unclear points</a:t>
-                      </a:r>
-                      <a:endParaRPr lang="vi-VN" sz="1600" dirty="0"/>
-                    </a:p>
-                  </a:txBody>
-                  <a:tcPr/>
-                </a:tc>
-                <a:tc>
-                  <a:txBody>
-                    <a:bodyPr/>
-                    <a:lstStyle/>
-                    <a:p>
-                      <a:endParaRPr lang="vi-VN" sz="1600" dirty="0"/>
-                    </a:p>
-                  </a:txBody>
-                  <a:tcPr/>
-                </a:tc>
-              </a:tr>
-              <a:tr h="1023975">
+              <a:tr h="788190">
                 <a:tc>
                   <a:txBody>
                     <a:bodyPr/>
@@ -10930,12 +11444,100 @@
                         <a:t>SoC architecture</a:t>
                       </a:r>
                     </a:p>
-                    <a:p>
-                      <a:endParaRPr lang="vi-VN" sz="1600" dirty="0"/>
-                    </a:p>
                   </a:txBody>
                   <a:tcPr/>
                 </a:tc>
+                <a:tc>
+                  <a:txBody>
+                    <a:bodyPr/>
+                    <a:lstStyle/>
+                    <a:p>
+                      <a:pPr marL="285750" marR="0" indent="-285750" algn="l" defTabSz="914400" rtl="0" eaLnBrk="1" fontAlgn="auto" latinLnBrk="0" hangingPunct="1">
+                        <a:lnSpc>
+                          <a:spcPct val="100000"/>
+                        </a:lnSpc>
+                        <a:spcBef>
+                          <a:spcPts val="0"/>
+                        </a:spcBef>
+                        <a:spcAft>
+                          <a:spcPts val="0"/>
+                        </a:spcAft>
+                        <a:buClrTx/>
+                        <a:buSzTx/>
+                        <a:buFontTx/>
+                        <a:buChar char="-"/>
+                        <a:tabLst/>
+                        <a:defRPr/>
+                      </a:pPr>
+                      <a:r>
+                        <a:rPr lang="en-US" sz="1600" dirty="0" smtClean="0"/>
+                        <a:t>Investigate multimedia module of RZ/G series.</a:t>
+                      </a:r>
+                    </a:p>
+                    <a:p>
+                      <a:pPr marL="285750" marR="0" indent="-285750" algn="l" defTabSz="914400" rtl="0" eaLnBrk="1" fontAlgn="auto" latinLnBrk="0" hangingPunct="1">
+                        <a:lnSpc>
+                          <a:spcPct val="100000"/>
+                        </a:lnSpc>
+                        <a:spcBef>
+                          <a:spcPts val="0"/>
+                        </a:spcBef>
+                        <a:spcAft>
+                          <a:spcPts val="0"/>
+                        </a:spcAft>
+                        <a:buClrTx/>
+                        <a:buSzTx/>
+                        <a:buFontTx/>
+                        <a:buChar char="-"/>
+                        <a:tabLst/>
+                        <a:defRPr/>
+                      </a:pPr>
+                      <a:r>
+                        <a:rPr lang="en-US" sz="1600" dirty="0" smtClean="0"/>
+                        <a:t>Make investigated</a:t>
+                      </a:r>
+                      <a:r>
+                        <a:rPr lang="en-US" sz="1600" baseline="0" dirty="0" smtClean="0"/>
+                        <a:t> document</a:t>
+                      </a:r>
+                      <a:endParaRPr lang="vi-VN" sz="1600" dirty="0" smtClean="0"/>
+                    </a:p>
+                  </a:txBody>
+                  <a:tcPr/>
+                </a:tc>
+                <a:tc>
+                  <a:txBody>
+                    <a:bodyPr/>
+                    <a:lstStyle/>
+                    <a:p>
+                      <a:pPr marL="285750" indent="-285750">
+                        <a:buFontTx/>
+                        <a:buChar char="-"/>
+                      </a:pPr>
+                      <a:r>
+                        <a:rPr lang="en-US" sz="1600" baseline="0" dirty="0" smtClean="0"/>
+                        <a:t>Provide materials, confirm mentee’s understanding</a:t>
+                      </a:r>
+                    </a:p>
+                  </a:txBody>
+                  <a:tcPr/>
+                </a:tc>
+                <a:tc>
+                  <a:txBody>
+                    <a:bodyPr/>
+                    <a:lstStyle/>
+                    <a:p>
+                      <a:r>
+                        <a:rPr lang="en-US" sz="1600" dirty="0" smtClean="0"/>
+                        <a:t>Jan, 2019</a:t>
+                      </a:r>
+                      <a:endParaRPr lang="vi-VN" sz="1600" dirty="0"/>
+                    </a:p>
+                  </a:txBody>
+                  <a:tcPr/>
+                </a:tc>
+              </a:tr>
+              <a:tr h="790077">
                 <a:tc>
                   <a:txBody>
                     <a:bodyPr/>
@@ -10959,13 +11561,9 @@
                         <a:defRPr/>
                       </a:pPr>
                       <a:r>
-                        <a:rPr lang="en-US" sz="1600" dirty="0" smtClean="0"/>
-                        <a:t>- Investigate multimedia module of R-Car, RZ/G series.</a:t>
-                      </a:r>
-                      <a:endParaRPr lang="vi-VN" sz="1600" dirty="0" smtClean="0"/>
-                    </a:p>
-                    <a:p>
-                      <a:endParaRPr lang="en-US" sz="1600" dirty="0" smtClean="0"/>
+                        <a:rPr lang="vi-VN" sz="1600" dirty="0" smtClean="0"/>
+                        <a:t>Operating System</a:t>
+                      </a:r>
                     </a:p>
                   </a:txBody>
                   <a:tcPr/>
@@ -10975,15 +11573,13 @@
                     <a:bodyPr/>
                     <a:lstStyle/>
                     <a:p>
+                      <a:pPr marL="285750" indent="-285750">
+                        <a:buFontTx/>
+                        <a:buChar char="-"/>
+                      </a:pPr>
                       <a:r>
                         <a:rPr lang="en-US" sz="1600" dirty="0" smtClean="0"/>
-                        <a:t>- Provide materials, share</a:t>
-                      </a:r>
-                    </a:p>
-                    <a:p>
-                      <a:r>
-                        <a:rPr lang="en-US" sz="1600" dirty="0" smtClean="0"/>
-                        <a:t>experience and confirm mentee’s</a:t>
+                        <a:t>Investigate system structure and operation of OS, Linux</a:t>
                       </a:r>
                       <a:r>
                         <a:rPr lang="en-US" sz="1600" baseline="0" dirty="0" smtClean="0"/>
@@ -10991,12 +11587,23 @@
                       </a:r>
                       <a:r>
                         <a:rPr lang="en-US" sz="1600" dirty="0" smtClean="0"/>
-                        <a:t>understanding</a:t>
-                      </a:r>
-                      <a:endParaRPr lang="vi-VN" sz="1600" dirty="0" smtClean="0"/>
-                    </a:p>
-                    <a:p>
-                      <a:endParaRPr lang="vi-VN" sz="1600" dirty="0"/>
+                        <a:t>kernel, device driver.</a:t>
+                      </a:r>
+                    </a:p>
+                    <a:p>
+                      <a:pPr marL="285750" indent="-285750">
+                        <a:buFontTx/>
+                        <a:buChar char="-"/>
+                      </a:pPr>
+                      <a:r>
+                        <a:rPr lang="en-US" sz="1600" dirty="0" smtClean="0"/>
+                        <a:t>Build</a:t>
+                      </a:r>
+                      <a:r>
+                        <a:rPr lang="en-US" sz="1600" baseline="0" dirty="0" smtClean="0"/>
+                        <a:t> environment and try on board </a:t>
+                      </a:r>
+                      <a:endParaRPr lang="en-US" sz="1600" dirty="0" smtClean="0"/>
                     </a:p>
                   </a:txBody>
                   <a:tcPr/>
@@ -11006,13 +11613,39 @@
                     <a:bodyPr/>
                     <a:lstStyle/>
                     <a:p>
-                      <a:endParaRPr lang="vi-VN" sz="1600"/>
+                      <a:pPr marL="285750" indent="-285750">
+                        <a:buFontTx/>
+                        <a:buChar char="-"/>
+                      </a:pPr>
+                      <a:r>
+                        <a:rPr lang="en-US" sz="1600" dirty="0" smtClean="0"/>
+                        <a:t>Share experience, and confirm</a:t>
+                      </a:r>
+                      <a:r>
+                        <a:rPr lang="en-US" sz="1600" baseline="0" dirty="0" smtClean="0"/>
+                        <a:t> the result</a:t>
+                      </a:r>
+                      <a:endParaRPr lang="en-US" sz="1600" dirty="0" smtClean="0"/>
+                    </a:p>
+                  </a:txBody>
+                  <a:tcPr/>
+                </a:tc>
+                <a:tc>
+                  <a:txBody>
+                    <a:bodyPr/>
+                    <a:lstStyle/>
+                    <a:p>
+                      <a:r>
+                        <a:rPr lang="en-US" sz="1600" dirty="0" smtClean="0"/>
+                        <a:t>Jan, 2019</a:t>
+                      </a:r>
+                      <a:endParaRPr lang="vi-VN" sz="1600" dirty="0"/>
                     </a:p>
                   </a:txBody>
                   <a:tcPr/>
                 </a:tc>
               </a:tr>
-              <a:tr h="1023975">
+              <a:tr h="873624">
                 <a:tc>
                   <a:txBody>
                     <a:bodyPr/>
@@ -11037,11 +11670,8 @@
                       </a:pPr>
                       <a:r>
                         <a:rPr lang="vi-VN" sz="1600" dirty="0" smtClean="0"/>
-                        <a:t>Operating System</a:t>
-                      </a:r>
-                    </a:p>
-                    <a:p>
-                      <a:endParaRPr lang="vi-VN" sz="1600" dirty="0"/>
+                        <a:t>Development process</a:t>
+                      </a:r>
                     </a:p>
                   </a:txBody>
                   <a:tcPr/>
@@ -11053,7 +11683,7 @@
                     <a:p>
                       <a:r>
                         <a:rPr lang="en-US" sz="1600" dirty="0" smtClean="0"/>
-                        <a:t>- Investigate system structure and operation of OS, Linux</a:t>
+                        <a:t> -   Investigate development process of RZ/G product and</a:t>
                       </a:r>
                       <a:r>
                         <a:rPr lang="en-US" sz="1600" baseline="0" dirty="0" smtClean="0"/>
@@ -11061,11 +11691,8 @@
                       </a:r>
                       <a:r>
                         <a:rPr lang="en-US" sz="1600" dirty="0" smtClean="0"/>
-                        <a:t>kernel, device driver.</a:t>
-                      </a:r>
-                    </a:p>
-                    <a:p>
-                      <a:endParaRPr lang="vi-VN" sz="1600" dirty="0"/>
+                        <a:t>apply in tasks.</a:t>
+                      </a:r>
                     </a:p>
                   </a:txBody>
                   <a:tcPr/>
@@ -11075,9 +11702,13 @@
                     <a:bodyPr/>
                     <a:lstStyle/>
                     <a:p>
+                      <a:pPr marL="285750" indent="-285750">
+                        <a:buFontTx/>
+                        <a:buChar char="-"/>
+                      </a:pPr>
                       <a:r>
                         <a:rPr lang="en-US" sz="1600" dirty="0" smtClean="0"/>
-                        <a:t>- Share experience, and confirm</a:t>
+                        <a:t>Provide materials, guide and</a:t>
                       </a:r>
                       <a:r>
                         <a:rPr lang="en-US" sz="1600" baseline="0" dirty="0" smtClean="0"/>
@@ -11085,11 +11716,8 @@
                       </a:r>
                       <a:r>
                         <a:rPr lang="en-US" sz="1600" dirty="0" smtClean="0"/>
-                        <a:t>mentee’s understanding</a:t>
-                      </a:r>
-                    </a:p>
-                    <a:p>
-                      <a:endParaRPr lang="vi-VN" sz="1600" dirty="0"/>
+                        <a:t>support mentee on unclear points</a:t>
+                      </a:r>
                     </a:p>
                   </a:txBody>
                   <a:tcPr/>
@@ -11099,42 +11727,28 @@
                     <a:bodyPr/>
                     <a:lstStyle/>
                     <a:p>
-                      <a:endParaRPr lang="vi-VN" sz="1600"/>
+                      <a:r>
+                        <a:rPr lang="en-US" sz="1600" dirty="0" smtClean="0"/>
+                        <a:t>Apr, 2019</a:t>
+                      </a:r>
+                      <a:endParaRPr lang="vi-VN" sz="1600" dirty="0"/>
                     </a:p>
                   </a:txBody>
                   <a:tcPr/>
                 </a:tc>
               </a:tr>
-              <a:tr h="1023975">
+              <a:tr h="571175">
                 <a:tc>
                   <a:txBody>
                     <a:bodyPr/>
                     <a:lstStyle/>
                     <a:p>
-                      <a:pPr marL="0" marR="0" indent="0" algn="l" defTabSz="914400" rtl="0" eaLnBrk="1" fontAlgn="auto" latinLnBrk="0" hangingPunct="1">
-                        <a:lnSpc>
-                          <a:spcPct val="100000"/>
-                        </a:lnSpc>
-                        <a:spcBef>
-                          <a:spcPts val="0"/>
-                        </a:spcBef>
-                        <a:spcAft>
-                          <a:spcPts val="0"/>
-                        </a:spcAft>
-                        <a:buClrTx/>
-                        <a:buSzTx/>
-                        <a:buFontTx/>
-                        <a:buNone/>
-                        <a:tabLst/>
-                        <a:defRPr/>
-                      </a:pPr>
-                      <a:r>
-                        <a:rPr lang="vi-VN" sz="1600" dirty="0" smtClean="0"/>
-                        <a:t>Development process</a:t>
-                      </a:r>
-                    </a:p>
-                    <a:p>
-                      <a:endParaRPr lang="vi-VN" sz="1600" dirty="0"/>
+                      <a:pPr algn="just"/>
+                      <a:r>
+                        <a:rPr lang="en-US" sz="1600" b="0" dirty="0" smtClean="0"/>
+                        <a:t>Management</a:t>
+                      </a:r>
+                      <a:endParaRPr lang="en-US" sz="1600" b="0" dirty="0"/>
                     </a:p>
                   </a:txBody>
                   <a:tcPr/>
@@ -11144,19 +11758,21 @@
                     <a:bodyPr/>
                     <a:lstStyle/>
                     <a:p>
+                      <a:pPr marL="285750" indent="-285750">
+                        <a:buFontTx/>
+                        <a:buChar char="-"/>
+                      </a:pPr>
                       <a:r>
                         <a:rPr lang="en-US" sz="1600" dirty="0" smtClean="0"/>
-                        <a:t> - Investigate development process of RZ/G product and</a:t>
-                      </a:r>
-                    </a:p>
-                    <a:p>
-                      <a:r>
-                        <a:rPr lang="en-US" sz="1600" dirty="0" smtClean="0"/>
-                        <a:t>apply in tasks.</a:t>
-                      </a:r>
-                    </a:p>
-                    <a:p>
-                      <a:endParaRPr lang="vi-VN" sz="1600" dirty="0"/>
+                        <a:t>Make plan for assigned tasks</a:t>
+                      </a:r>
+                    </a:p>
+                    <a:p>
+                      <a:pPr marL="0" indent="0">
+                        <a:buFontTx/>
+                        <a:buNone/>
+                      </a:pPr>
+                      <a:endParaRPr lang="en-US" sz="1600" dirty="0" smtClean="0"/>
                     </a:p>
                   </a:txBody>
                   <a:tcPr/>
@@ -11166,22 +11782,14 @@
                     <a:bodyPr/>
                     <a:lstStyle/>
                     <a:p>
+                      <a:pPr marL="285750" indent="-285750">
+                        <a:buFontTx/>
+                        <a:buChar char="-"/>
+                      </a:pPr>
                       <a:r>
                         <a:rPr lang="en-US" sz="1600" dirty="0" smtClean="0"/>
-                        <a:t>- Provide materials, guide and</a:t>
-                      </a:r>
-                      <a:r>
-                        <a:rPr lang="en-US" sz="1600" baseline="0" dirty="0" smtClean="0"/>
-                        <a:t> </a:t>
-                      </a:r>
-                      <a:r>
-                        <a:rPr lang="en-US" sz="1600" dirty="0" smtClean="0"/>
-                        <a:t>support mentee on unclear points</a:t>
-                      </a:r>
-                      <a:endParaRPr lang="vi-VN" sz="1600" dirty="0" smtClean="0"/>
-                    </a:p>
-                    <a:p>
-                      <a:endParaRPr lang="vi-VN" sz="1600" dirty="0"/>
+                        <a:t>Check the progress of assigned tasks.</a:t>
+                      </a:r>
                     </a:p>
                   </a:txBody>
                   <a:tcPr/>
@@ -11191,6 +11799,101 @@
                     <a:bodyPr/>
                     <a:lstStyle/>
                     <a:p>
+                      <a:r>
+                        <a:rPr lang="en-US" sz="1600" baseline="0" dirty="0" smtClean="0"/>
+                        <a:t>Jul, 2018</a:t>
+                      </a:r>
+                      <a:endParaRPr lang="vi-VN" sz="1600" dirty="0"/>
+                    </a:p>
+                  </a:txBody>
+                  <a:tcPr/>
+                </a:tc>
+              </a:tr>
+              <a:tr h="873624">
+                <a:tc>
+                  <a:txBody>
+                    <a:bodyPr/>
+                    <a:lstStyle/>
+                    <a:p>
+                      <a:pPr algn="just"/>
+                      <a:r>
+                        <a:rPr lang="en-US" sz="1600" b="0" dirty="0" smtClean="0"/>
+                        <a:t>Communication</a:t>
+                      </a:r>
+                      <a:endParaRPr lang="en-US" sz="1600" b="0" dirty="0"/>
+                    </a:p>
+                  </a:txBody>
+                  <a:tcPr/>
+                </a:tc>
+                <a:tc>
+                  <a:txBody>
+                    <a:bodyPr/>
+                    <a:lstStyle/>
+                    <a:p>
+                      <a:pPr marL="285750" indent="-285750">
+                        <a:buFontTx/>
+                        <a:buChar char="-"/>
+                      </a:pPr>
+                      <a:r>
+                        <a:rPr lang="en-US" sz="1600" dirty="0" smtClean="0"/>
+                        <a:t>Make weekly report and report working result to mentor.</a:t>
+                      </a:r>
+                    </a:p>
+                    <a:p>
+                      <a:pPr marL="285750" indent="-285750">
+                        <a:buFontTx/>
+                        <a:buChar char="-"/>
+                      </a:pPr>
+                      <a:r>
+                        <a:rPr lang="en-US" sz="1600" dirty="0" smtClean="0"/>
+                        <a:t>Use</a:t>
+                      </a:r>
+                      <a:r>
+                        <a:rPr lang="en-US" sz="1600" baseline="0" dirty="0" smtClean="0"/>
+                        <a:t> English in communication</a:t>
+                      </a:r>
+                    </a:p>
+                  </a:txBody>
+                  <a:tcPr/>
+                </a:tc>
+                <a:tc>
+                  <a:txBody>
+                    <a:bodyPr/>
+                    <a:lstStyle/>
+                    <a:p>
+                      <a:pPr marL="285750" indent="-285750">
+                        <a:buFontTx/>
+                        <a:buChar char="-"/>
+                      </a:pPr>
+                      <a:r>
+                        <a:rPr lang="en-US" sz="1600" dirty="0" smtClean="0"/>
+                        <a:t>Check</a:t>
+                      </a:r>
+                      <a:r>
+                        <a:rPr lang="en-US" sz="1600" baseline="0" dirty="0" smtClean="0"/>
+                        <a:t> report, feedback and confirm the result</a:t>
+                      </a:r>
+                    </a:p>
+                  </a:txBody>
+                  <a:tcPr/>
+                </a:tc>
+                <a:tc>
+                  <a:txBody>
+                    <a:bodyPr/>
+                    <a:lstStyle/>
+                    <a:p>
+                      <a:r>
+                        <a:rPr lang="en-US" sz="1600" baseline="0" dirty="0" smtClean="0"/>
+                        <a:t>Jul</a:t>
+                      </a:r>
+                      <a:r>
+                        <a:rPr lang="en-US" sz="1600" dirty="0" smtClean="0"/>
+                        <a:t>,</a:t>
+                      </a:r>
+                      <a:r>
+                        <a:rPr lang="en-US" sz="1600" baseline="0" dirty="0" smtClean="0"/>
+                        <a:t> 2018</a:t>
+                      </a:r>
                       <a:endParaRPr lang="vi-VN" sz="1600" dirty="0"/>
                     </a:p>
                   </a:txBody>
@@ -11238,34 +11941,30 @@
           <a:chExt cx="0" cy="0"/>
         </a:xfrm>
       </p:grpSpPr>
-      <p:sp>
-        <p:nvSpPr>
-          <p:cNvPr id="2" name="Title 1"/>
-          <p:cNvSpPr>
-            <a:spLocks noGrp="1"/>
-          </p:cNvSpPr>
-          <p:nvPr>
-            <p:ph type="title"/>
-          </p:nvPr>
-        </p:nvSpPr>
+      <p:pic>
+        <p:nvPicPr>
+          <p:cNvPr id="7" name="Picture 6"/>
+          <p:cNvPicPr>
+            <a:picLocks noChangeAspect="1"/>
+          </p:cNvPicPr>
+          <p:nvPr/>
+        </p:nvPicPr>
+        <p:blipFill>
+          <a:blip r:embed="rId2"/>
+          <a:stretch>
+            <a:fillRect/>
+          </a:stretch>
+        </p:blipFill>
         <p:spPr>
           <a:xfrm>
-            <a:off x="1080000" y="936000"/>
-            <a:ext cx="8520000" cy="443198"/>
+            <a:off x="2939673" y="1980523"/>
+            <a:ext cx="8557914" cy="4308741"/>
           </a:xfrm>
+          <a:prstGeom prst="rect">
+            <a:avLst/>
+          </a:prstGeom>
         </p:spPr>
-        <p:txBody>
-          <a:bodyPr/>
-          <a:lstStyle/>
-          <a:p>
-            <a:r>
-              <a:rPr lang="en-US" dirty="0" smtClean="0"/>
-              <a:t>3. TRAINING PLAN (3/3)</a:t>
-            </a:r>
-            <a:endParaRPr lang="en-US" dirty="0"/>
-          </a:p>
-        </p:txBody>
-      </p:sp>
+      </p:pic>
       <p:sp>
         <p:nvSpPr>
           <p:cNvPr id="3" name="Slide Number Placeholder 2"/>
@@ -11307,36 +12006,853 @@
           </a:p>
         </p:txBody>
       </p:sp>
-      <p:pic>
-        <p:nvPicPr>
-          <p:cNvPr id="7" name="Content Placeholder 6"/>
-          <p:cNvPicPr>
-            <a:picLocks noGrp="1" noChangeAspect="1"/>
-          </p:cNvPicPr>
-          <p:nvPr>
-            <p:ph idx="1"/>
-          </p:nvPr>
-        </p:nvPicPr>
-        <p:blipFill>
-          <a:blip r:embed="rId2"/>
-          <a:stretch>
-            <a:fillRect/>
-          </a:stretch>
-        </p:blipFill>
+      <p:graphicFrame>
+        <p:nvGraphicFramePr>
+          <p:cNvPr id="11" name="Table 10"/>
+          <p:cNvGraphicFramePr>
+            <a:graphicFrameLocks noGrp="1"/>
+          </p:cNvGraphicFramePr>
+          <p:nvPr>
+            <p:extLst>
+              <p:ext uri="{D42A27DB-BD31-4B8C-83A1-F6EECF244321}">
+                <p14:modId xmlns:p14="http://schemas.microsoft.com/office/powerpoint/2010/main" val="2998517178"/>
+              </p:ext>
+            </p:extLst>
+          </p:nvPr>
+        </p:nvGraphicFramePr>
+        <p:xfrm>
+          <a:off x="443892" y="2337682"/>
+          <a:ext cx="2511683" cy="3509866"/>
+        </p:xfrm>
+        <a:graphic>
+          <a:graphicData uri="http://schemas.openxmlformats.org/drawingml/2006/table">
+            <a:tbl>
+              <a:tblPr firstRow="1" firstCol="1" bandRow="1"/>
+              <a:tblGrid>
+                <a:gridCol w="2511683"/>
+              </a:tblGrid>
+              <a:tr h="373711">
+                <a:tc>
+                  <a:txBody>
+                    <a:bodyPr/>
+                    <a:lstStyle/>
+                    <a:p>
+                      <a:pPr marL="0" marR="0" algn="r">
+                        <a:lnSpc>
+                          <a:spcPct val="107000"/>
+                        </a:lnSpc>
+                        <a:spcBef>
+                          <a:spcPts val="0"/>
+                        </a:spcBef>
+                        <a:spcAft>
+                          <a:spcPts val="0"/>
+                        </a:spcAft>
+                      </a:pPr>
+                      <a:r>
+                        <a:rPr lang="en-US" sz="1400" b="1" dirty="0">
+                          <a:effectLst/>
+                          <a:latin typeface="Times New Roman" panose="02020603050405020304" pitchFamily="18" charset="0"/>
+                          <a:ea typeface="Calibri" panose="020F0502020204030204" pitchFamily="34" charset="0"/>
+                          <a:cs typeface="Times New Roman" panose="02020603050405020304" pitchFamily="18" charset="0"/>
+                        </a:rPr>
+                        <a:t>Software coding</a:t>
+                      </a:r>
+                    </a:p>
+                  </a:txBody>
+                  <a:tcPr marL="44024" marR="44024" marT="0" marB="0">
+                    <a:lnL w="12700" cap="flat" cmpd="sng" algn="ctr">
+                      <a:noFill/>
+                      <a:prstDash val="solid"/>
+                      <a:round/>
+                      <a:headEnd type="none" w="med" len="med"/>
+                      <a:tailEnd type="none" w="med" len="med"/>
+                    </a:lnL>
+                    <a:lnR w="12700" cap="flat" cmpd="sng" algn="ctr">
+                      <a:noFill/>
+                      <a:prstDash val="solid"/>
+                      <a:round/>
+                      <a:headEnd type="none" w="med" len="med"/>
+                      <a:tailEnd type="none" w="med" len="med"/>
+                    </a:lnR>
+                    <a:lnT w="12700" cap="flat" cmpd="sng" algn="ctr">
+                      <a:noFill/>
+                      <a:prstDash val="solid"/>
+                      <a:round/>
+                      <a:headEnd type="none" w="med" len="med"/>
+                      <a:tailEnd type="none" w="med" len="med"/>
+                    </a:lnT>
+                    <a:lnB w="12700" cap="flat" cmpd="sng" algn="ctr">
+                      <a:noFill/>
+                      <a:prstDash val="solid"/>
+                      <a:round/>
+                      <a:headEnd type="none" w="med" len="med"/>
+                      <a:tailEnd type="none" w="med" len="med"/>
+                    </a:lnB>
+                    <a:lnTlToBr w="12700" cmpd="sng">
+                      <a:noFill/>
+                      <a:prstDash val="solid"/>
+                    </a:lnTlToBr>
+                    <a:lnBlToTr w="12700" cmpd="sng">
+                      <a:noFill/>
+                      <a:prstDash val="solid"/>
+                    </a:lnBlToTr>
+                  </a:tcPr>
+                </a:tc>
+              </a:tr>
+              <a:tr h="318053">
+                <a:tc>
+                  <a:txBody>
+                    <a:bodyPr/>
+                    <a:lstStyle/>
+                    <a:p>
+                      <a:pPr marL="0" marR="0" algn="r">
+                        <a:lnSpc>
+                          <a:spcPct val="107000"/>
+                        </a:lnSpc>
+                        <a:spcBef>
+                          <a:spcPts val="0"/>
+                        </a:spcBef>
+                        <a:spcAft>
+                          <a:spcPts val="0"/>
+                        </a:spcAft>
+                      </a:pPr>
+                      <a:r>
+                        <a:rPr lang="en-US" sz="1400" b="1" dirty="0">
+                          <a:effectLst/>
+                          <a:latin typeface="Times New Roman" panose="02020603050405020304" pitchFamily="18" charset="0"/>
+                          <a:ea typeface="Calibri" panose="020F0502020204030204" pitchFamily="34" charset="0"/>
+                          <a:cs typeface="Times New Roman" panose="02020603050405020304" pitchFamily="18" charset="0"/>
+                        </a:rPr>
+                        <a:t>Verification/ Failure Analysis</a:t>
+                      </a:r>
+                    </a:p>
+                  </a:txBody>
+                  <a:tcPr marL="44024" marR="44024" marT="0" marB="0">
+                    <a:lnL w="12700" cap="flat" cmpd="sng" algn="ctr">
+                      <a:noFill/>
+                      <a:prstDash val="solid"/>
+                      <a:round/>
+                      <a:headEnd type="none" w="med" len="med"/>
+                      <a:tailEnd type="none" w="med" len="med"/>
+                    </a:lnL>
+                    <a:lnR w="12700" cap="flat" cmpd="sng" algn="ctr">
+                      <a:noFill/>
+                      <a:prstDash val="solid"/>
+                      <a:round/>
+                      <a:headEnd type="none" w="med" len="med"/>
+                      <a:tailEnd type="none" w="med" len="med"/>
+                    </a:lnR>
+                    <a:lnT w="12700" cap="flat" cmpd="sng" algn="ctr">
+                      <a:noFill/>
+                      <a:prstDash val="solid"/>
+                      <a:round/>
+                      <a:headEnd type="none" w="med" len="med"/>
+                      <a:tailEnd type="none" w="med" len="med"/>
+                    </a:lnT>
+                    <a:lnB w="12700" cap="flat" cmpd="sng" algn="ctr">
+                      <a:noFill/>
+                      <a:prstDash val="solid"/>
+                      <a:round/>
+                      <a:headEnd type="none" w="med" len="med"/>
+                      <a:tailEnd type="none" w="med" len="med"/>
+                    </a:lnB>
+                    <a:lnTlToBr w="12700" cmpd="sng">
+                      <a:noFill/>
+                      <a:prstDash val="solid"/>
+                    </a:lnTlToBr>
+                    <a:lnBlToTr w="12700" cmpd="sng">
+                      <a:noFill/>
+                      <a:prstDash val="solid"/>
+                    </a:lnBlToTr>
+                  </a:tcPr>
+                </a:tc>
+              </a:tr>
+              <a:tr h="318052">
+                <a:tc>
+                  <a:txBody>
+                    <a:bodyPr/>
+                    <a:lstStyle/>
+                    <a:p>
+                      <a:pPr marL="0" marR="0" algn="r">
+                        <a:lnSpc>
+                          <a:spcPct val="107000"/>
+                        </a:lnSpc>
+                        <a:spcBef>
+                          <a:spcPts val="0"/>
+                        </a:spcBef>
+                        <a:spcAft>
+                          <a:spcPts val="0"/>
+                        </a:spcAft>
+                      </a:pPr>
+                      <a:r>
+                        <a:rPr lang="en-US" sz="1400" b="1" dirty="0">
+                          <a:effectLst/>
+                          <a:latin typeface="Times New Roman" panose="02020603050405020304" pitchFamily="18" charset="0"/>
+                          <a:ea typeface="Calibri" panose="020F0502020204030204" pitchFamily="34" charset="0"/>
+                          <a:cs typeface="Times New Roman" panose="02020603050405020304" pitchFamily="18" charset="0"/>
+                        </a:rPr>
+                        <a:t>Readability</a:t>
+                      </a:r>
+                    </a:p>
+                  </a:txBody>
+                  <a:tcPr marL="44024" marR="44024" marT="0" marB="0">
+                    <a:lnL w="12700" cap="flat" cmpd="sng" algn="ctr">
+                      <a:noFill/>
+                      <a:prstDash val="solid"/>
+                      <a:round/>
+                      <a:headEnd type="none" w="med" len="med"/>
+                      <a:tailEnd type="none" w="med" len="med"/>
+                    </a:lnL>
+                    <a:lnR w="12700" cap="flat" cmpd="sng" algn="ctr">
+                      <a:noFill/>
+                      <a:prstDash val="solid"/>
+                      <a:round/>
+                      <a:headEnd type="none" w="med" len="med"/>
+                      <a:tailEnd type="none" w="med" len="med"/>
+                    </a:lnR>
+                    <a:lnT w="12700" cap="flat" cmpd="sng" algn="ctr">
+                      <a:noFill/>
+                      <a:prstDash val="solid"/>
+                      <a:round/>
+                      <a:headEnd type="none" w="med" len="med"/>
+                      <a:tailEnd type="none" w="med" len="med"/>
+                    </a:lnT>
+                    <a:lnB w="12700" cap="flat" cmpd="sng" algn="ctr">
+                      <a:noFill/>
+                      <a:prstDash val="solid"/>
+                      <a:round/>
+                      <a:headEnd type="none" w="med" len="med"/>
+                      <a:tailEnd type="none" w="med" len="med"/>
+                    </a:lnB>
+                    <a:lnTlToBr w="12700" cmpd="sng">
+                      <a:noFill/>
+                      <a:prstDash val="solid"/>
+                    </a:lnTlToBr>
+                    <a:lnBlToTr w="12700" cmpd="sng">
+                      <a:noFill/>
+                      <a:prstDash val="solid"/>
+                    </a:lnBlToTr>
+                  </a:tcPr>
+                </a:tc>
+              </a:tr>
+              <a:tr h="326003">
+                <a:tc>
+                  <a:txBody>
+                    <a:bodyPr/>
+                    <a:lstStyle/>
+                    <a:p>
+                      <a:pPr marL="0" marR="0" algn="r">
+                        <a:lnSpc>
+                          <a:spcPct val="107000"/>
+                        </a:lnSpc>
+                        <a:spcBef>
+                          <a:spcPts val="0"/>
+                        </a:spcBef>
+                        <a:spcAft>
+                          <a:spcPts val="0"/>
+                        </a:spcAft>
+                      </a:pPr>
+                      <a:r>
+                        <a:rPr lang="en-US" sz="1400" b="1" dirty="0">
+                          <a:effectLst/>
+                          <a:latin typeface="Times New Roman" panose="02020603050405020304" pitchFamily="18" charset="0"/>
+                          <a:ea typeface="Calibri" panose="020F0502020204030204" pitchFamily="34" charset="0"/>
+                          <a:cs typeface="Times New Roman" panose="02020603050405020304" pitchFamily="18" charset="0"/>
+                        </a:rPr>
+                        <a:t>Development Environment</a:t>
+                      </a:r>
+                    </a:p>
+                  </a:txBody>
+                  <a:tcPr marL="44024" marR="44024" marT="0" marB="0">
+                    <a:lnL w="12700" cap="flat" cmpd="sng" algn="ctr">
+                      <a:noFill/>
+                      <a:prstDash val="solid"/>
+                      <a:round/>
+                      <a:headEnd type="none" w="med" len="med"/>
+                      <a:tailEnd type="none" w="med" len="med"/>
+                    </a:lnL>
+                    <a:lnR w="12700" cap="flat" cmpd="sng" algn="ctr">
+                      <a:noFill/>
+                      <a:prstDash val="solid"/>
+                      <a:round/>
+                      <a:headEnd type="none" w="med" len="med"/>
+                      <a:tailEnd type="none" w="med" len="med"/>
+                    </a:lnR>
+                    <a:lnT w="12700" cap="flat" cmpd="sng" algn="ctr">
+                      <a:noFill/>
+                      <a:prstDash val="solid"/>
+                      <a:round/>
+                      <a:headEnd type="none" w="med" len="med"/>
+                      <a:tailEnd type="none" w="med" len="med"/>
+                    </a:lnT>
+                    <a:lnB w="12700" cap="flat" cmpd="sng" algn="ctr">
+                      <a:noFill/>
+                      <a:prstDash val="solid"/>
+                      <a:round/>
+                      <a:headEnd type="none" w="med" len="med"/>
+                      <a:tailEnd type="none" w="med" len="med"/>
+                    </a:lnB>
+                    <a:lnTlToBr w="12700" cmpd="sng">
+                      <a:noFill/>
+                      <a:prstDash val="solid"/>
+                    </a:lnTlToBr>
+                    <a:lnBlToTr w="12700" cmpd="sng">
+                      <a:noFill/>
+                      <a:prstDash val="solid"/>
+                    </a:lnBlToTr>
+                  </a:tcPr>
+                </a:tc>
+              </a:tr>
+              <a:tr h="326004">
+                <a:tc>
+                  <a:txBody>
+                    <a:bodyPr/>
+                    <a:lstStyle/>
+                    <a:p>
+                      <a:pPr marL="0" marR="0" algn="r">
+                        <a:lnSpc>
+                          <a:spcPct val="107000"/>
+                        </a:lnSpc>
+                        <a:spcBef>
+                          <a:spcPts val="0"/>
+                        </a:spcBef>
+                        <a:spcAft>
+                          <a:spcPts val="0"/>
+                        </a:spcAft>
+                      </a:pPr>
+                      <a:r>
+                        <a:rPr lang="en-US" sz="1400" b="1" dirty="0" err="1">
+                          <a:effectLst/>
+                          <a:latin typeface="Times New Roman" panose="02020603050405020304" pitchFamily="18" charset="0"/>
+                          <a:ea typeface="Calibri" panose="020F0502020204030204" pitchFamily="34" charset="0"/>
+                          <a:cs typeface="Times New Roman" panose="02020603050405020304" pitchFamily="18" charset="0"/>
+                        </a:rPr>
+                        <a:t>SoC</a:t>
+                      </a:r>
+                      <a:r>
+                        <a:rPr lang="en-US" sz="1400" b="1" dirty="0">
+                          <a:effectLst/>
+                          <a:latin typeface="Times New Roman" panose="02020603050405020304" pitchFamily="18" charset="0"/>
+                          <a:ea typeface="Calibri" panose="020F0502020204030204" pitchFamily="34" charset="0"/>
+                          <a:cs typeface="Times New Roman" panose="02020603050405020304" pitchFamily="18" charset="0"/>
+                        </a:rPr>
+                        <a:t> Architecture</a:t>
+                      </a:r>
+                    </a:p>
+                  </a:txBody>
+                  <a:tcPr marL="44024" marR="44024" marT="0" marB="0">
+                    <a:lnL w="12700" cap="flat" cmpd="sng" algn="ctr">
+                      <a:noFill/>
+                      <a:prstDash val="solid"/>
+                      <a:round/>
+                      <a:headEnd type="none" w="med" len="med"/>
+                      <a:tailEnd type="none" w="med" len="med"/>
+                    </a:lnL>
+                    <a:lnR w="12700" cap="flat" cmpd="sng" algn="ctr">
+                      <a:noFill/>
+                      <a:prstDash val="solid"/>
+                      <a:round/>
+                      <a:headEnd type="none" w="med" len="med"/>
+                      <a:tailEnd type="none" w="med" len="med"/>
+                    </a:lnR>
+                    <a:lnT w="12700" cap="flat" cmpd="sng" algn="ctr">
+                      <a:noFill/>
+                      <a:prstDash val="solid"/>
+                      <a:round/>
+                      <a:headEnd type="none" w="med" len="med"/>
+                      <a:tailEnd type="none" w="med" len="med"/>
+                    </a:lnT>
+                    <a:lnB w="12700" cap="flat" cmpd="sng" algn="ctr">
+                      <a:noFill/>
+                      <a:prstDash val="solid"/>
+                      <a:round/>
+                      <a:headEnd type="none" w="med" len="med"/>
+                      <a:tailEnd type="none" w="med" len="med"/>
+                    </a:lnB>
+                    <a:lnTlToBr w="12700" cmpd="sng">
+                      <a:noFill/>
+                      <a:prstDash val="solid"/>
+                    </a:lnTlToBr>
+                    <a:lnBlToTr w="12700" cmpd="sng">
+                      <a:noFill/>
+                      <a:prstDash val="solid"/>
+                    </a:lnBlToTr>
+                  </a:tcPr>
+                </a:tc>
+              </a:tr>
+              <a:tr h="326003">
+                <a:tc>
+                  <a:txBody>
+                    <a:bodyPr/>
+                    <a:lstStyle/>
+                    <a:p>
+                      <a:pPr marL="0" marR="0" algn="r">
+                        <a:lnSpc>
+                          <a:spcPct val="107000"/>
+                        </a:lnSpc>
+                        <a:spcBef>
+                          <a:spcPts val="0"/>
+                        </a:spcBef>
+                        <a:spcAft>
+                          <a:spcPts val="0"/>
+                        </a:spcAft>
+                      </a:pPr>
+                      <a:r>
+                        <a:rPr lang="en-US" sz="1400" b="1" dirty="0">
+                          <a:effectLst/>
+                          <a:latin typeface="Times New Roman" panose="02020603050405020304" pitchFamily="18" charset="0"/>
+                          <a:ea typeface="Calibri" panose="020F0502020204030204" pitchFamily="34" charset="0"/>
+                          <a:cs typeface="Times New Roman" panose="02020603050405020304" pitchFamily="18" charset="0"/>
+                        </a:rPr>
+                        <a:t>Operating System</a:t>
+                      </a:r>
+                    </a:p>
+                  </a:txBody>
+                  <a:tcPr marL="44024" marR="44024" marT="0" marB="0">
+                    <a:lnL w="12700" cap="flat" cmpd="sng" algn="ctr">
+                      <a:noFill/>
+                      <a:prstDash val="solid"/>
+                      <a:round/>
+                      <a:headEnd type="none" w="med" len="med"/>
+                      <a:tailEnd type="none" w="med" len="med"/>
+                    </a:lnL>
+                    <a:lnR w="12700" cap="flat" cmpd="sng" algn="ctr">
+                      <a:noFill/>
+                      <a:prstDash val="solid"/>
+                      <a:round/>
+                      <a:headEnd type="none" w="med" len="med"/>
+                      <a:tailEnd type="none" w="med" len="med"/>
+                    </a:lnR>
+                    <a:lnT w="12700" cap="flat" cmpd="sng" algn="ctr">
+                      <a:noFill/>
+                      <a:prstDash val="solid"/>
+                      <a:round/>
+                      <a:headEnd type="none" w="med" len="med"/>
+                      <a:tailEnd type="none" w="med" len="med"/>
+                    </a:lnT>
+                    <a:lnB w="12700" cap="flat" cmpd="sng" algn="ctr">
+                      <a:noFill/>
+                      <a:prstDash val="solid"/>
+                      <a:round/>
+                      <a:headEnd type="none" w="med" len="med"/>
+                      <a:tailEnd type="none" w="med" len="med"/>
+                    </a:lnB>
+                    <a:lnTlToBr w="12700" cmpd="sng">
+                      <a:noFill/>
+                      <a:prstDash val="solid"/>
+                    </a:lnTlToBr>
+                    <a:lnBlToTr w="12700" cmpd="sng">
+                      <a:noFill/>
+                      <a:prstDash val="solid"/>
+                    </a:lnBlToTr>
+                  </a:tcPr>
+                </a:tc>
+              </a:tr>
+              <a:tr h="349858">
+                <a:tc>
+                  <a:txBody>
+                    <a:bodyPr/>
+                    <a:lstStyle/>
+                    <a:p>
+                      <a:pPr marL="0" marR="0" algn="r">
+                        <a:lnSpc>
+                          <a:spcPct val="107000"/>
+                        </a:lnSpc>
+                        <a:spcBef>
+                          <a:spcPts val="0"/>
+                        </a:spcBef>
+                        <a:spcAft>
+                          <a:spcPts val="0"/>
+                        </a:spcAft>
+                      </a:pPr>
+                      <a:r>
+                        <a:rPr lang="en-US" sz="1400" b="1" dirty="0">
+                          <a:effectLst/>
+                          <a:latin typeface="Times New Roman" panose="02020603050405020304" pitchFamily="18" charset="0"/>
+                          <a:ea typeface="Calibri" panose="020F0502020204030204" pitchFamily="34" charset="0"/>
+                          <a:cs typeface="Times New Roman" panose="02020603050405020304" pitchFamily="18" charset="0"/>
+                        </a:rPr>
+                        <a:t>SW Development Methodology</a:t>
+                      </a:r>
+                    </a:p>
+                  </a:txBody>
+                  <a:tcPr marL="44024" marR="44024" marT="0" marB="0">
+                    <a:lnL w="12700" cap="flat" cmpd="sng" algn="ctr">
+                      <a:noFill/>
+                      <a:prstDash val="solid"/>
+                      <a:round/>
+                      <a:headEnd type="none" w="med" len="med"/>
+                      <a:tailEnd type="none" w="med" len="med"/>
+                    </a:lnL>
+                    <a:lnR w="12700" cap="flat" cmpd="sng" algn="ctr">
+                      <a:noFill/>
+                      <a:prstDash val="solid"/>
+                      <a:round/>
+                      <a:headEnd type="none" w="med" len="med"/>
+                      <a:tailEnd type="none" w="med" len="med"/>
+                    </a:lnR>
+                    <a:lnT w="12700" cap="flat" cmpd="sng" algn="ctr">
+                      <a:noFill/>
+                      <a:prstDash val="solid"/>
+                      <a:round/>
+                      <a:headEnd type="none" w="med" len="med"/>
+                      <a:tailEnd type="none" w="med" len="med"/>
+                    </a:lnT>
+                    <a:lnB w="12700" cap="flat" cmpd="sng" algn="ctr">
+                      <a:noFill/>
+                      <a:prstDash val="solid"/>
+                      <a:round/>
+                      <a:headEnd type="none" w="med" len="med"/>
+                      <a:tailEnd type="none" w="med" len="med"/>
+                    </a:lnB>
+                    <a:lnTlToBr w="12700" cmpd="sng">
+                      <a:noFill/>
+                      <a:prstDash val="solid"/>
+                    </a:lnTlToBr>
+                    <a:lnBlToTr w="12700" cmpd="sng">
+                      <a:noFill/>
+                      <a:prstDash val="solid"/>
+                    </a:lnBlToTr>
+                  </a:tcPr>
+                </a:tc>
+              </a:tr>
+              <a:tr h="349857">
+                <a:tc>
+                  <a:txBody>
+                    <a:bodyPr/>
+                    <a:lstStyle/>
+                    <a:p>
+                      <a:pPr marL="0" marR="0" algn="r">
+                        <a:lnSpc>
+                          <a:spcPct val="107000"/>
+                        </a:lnSpc>
+                        <a:spcBef>
+                          <a:spcPts val="0"/>
+                        </a:spcBef>
+                        <a:spcAft>
+                          <a:spcPts val="0"/>
+                        </a:spcAft>
+                      </a:pPr>
+                      <a:r>
+                        <a:rPr lang="en-US" sz="1400" b="1" dirty="0">
+                          <a:effectLst/>
+                          <a:latin typeface="Times New Roman" panose="02020603050405020304" pitchFamily="18" charset="0"/>
+                          <a:ea typeface="Calibri" panose="020F0502020204030204" pitchFamily="34" charset="0"/>
+                          <a:cs typeface="Times New Roman" panose="02020603050405020304" pitchFamily="18" charset="0"/>
+                        </a:rPr>
+                        <a:t>Development process</a:t>
+                      </a:r>
+                    </a:p>
+                  </a:txBody>
+                  <a:tcPr marL="44024" marR="44024" marT="0" marB="0">
+                    <a:lnL w="12700" cap="flat" cmpd="sng" algn="ctr">
+                      <a:noFill/>
+                      <a:prstDash val="solid"/>
+                      <a:round/>
+                      <a:headEnd type="none" w="med" len="med"/>
+                      <a:tailEnd type="none" w="med" len="med"/>
+                    </a:lnL>
+                    <a:lnR w="12700" cap="flat" cmpd="sng" algn="ctr">
+                      <a:noFill/>
+                      <a:prstDash val="solid"/>
+                      <a:round/>
+                      <a:headEnd type="none" w="med" len="med"/>
+                      <a:tailEnd type="none" w="med" len="med"/>
+                    </a:lnR>
+                    <a:lnT w="12700" cap="flat" cmpd="sng" algn="ctr">
+                      <a:noFill/>
+                      <a:prstDash val="solid"/>
+                      <a:round/>
+                      <a:headEnd type="none" w="med" len="med"/>
+                      <a:tailEnd type="none" w="med" len="med"/>
+                    </a:lnT>
+                    <a:lnB w="12700" cap="flat" cmpd="sng" algn="ctr">
+                      <a:noFill/>
+                      <a:prstDash val="solid"/>
+                      <a:round/>
+                      <a:headEnd type="none" w="med" len="med"/>
+                      <a:tailEnd type="none" w="med" len="med"/>
+                    </a:lnB>
+                    <a:lnTlToBr w="12700" cmpd="sng">
+                      <a:noFill/>
+                      <a:prstDash val="solid"/>
+                    </a:lnTlToBr>
+                    <a:lnBlToTr w="12700" cmpd="sng">
+                      <a:noFill/>
+                      <a:prstDash val="solid"/>
+                    </a:lnBlToTr>
+                  </a:tcPr>
+                </a:tc>
+              </a:tr>
+              <a:tr h="365760">
+                <a:tc>
+                  <a:txBody>
+                    <a:bodyPr/>
+                    <a:lstStyle/>
+                    <a:p>
+                      <a:pPr marL="0" marR="0" algn="r">
+                        <a:lnSpc>
+                          <a:spcPct val="107000"/>
+                        </a:lnSpc>
+                        <a:spcBef>
+                          <a:spcPts val="0"/>
+                        </a:spcBef>
+                        <a:spcAft>
+                          <a:spcPts val="0"/>
+                        </a:spcAft>
+                      </a:pPr>
+                      <a:r>
+                        <a:rPr lang="en-US" sz="1400" b="1" dirty="0" smtClean="0">
+                          <a:effectLst/>
+                          <a:latin typeface="Times New Roman" panose="02020603050405020304" pitchFamily="18" charset="0"/>
+                          <a:ea typeface="Calibri" panose="020F0502020204030204" pitchFamily="34" charset="0"/>
+                          <a:cs typeface="Times New Roman" panose="02020603050405020304" pitchFamily="18" charset="0"/>
+                        </a:rPr>
+                        <a:t>Management</a:t>
+                      </a:r>
+                      <a:endParaRPr lang="en-US" sz="1400" b="1" dirty="0">
+                        <a:effectLst/>
+                        <a:latin typeface="Times New Roman" panose="02020603050405020304" pitchFamily="18" charset="0"/>
+                        <a:ea typeface="Calibri" panose="020F0502020204030204" pitchFamily="34" charset="0"/>
+                        <a:cs typeface="Times New Roman" panose="02020603050405020304" pitchFamily="18" charset="0"/>
+                      </a:endParaRPr>
+                    </a:p>
+                  </a:txBody>
+                  <a:tcPr marL="44024" marR="44024" marT="0" marB="0">
+                    <a:lnL w="12700" cap="flat" cmpd="sng" algn="ctr">
+                      <a:noFill/>
+                      <a:prstDash val="solid"/>
+                      <a:round/>
+                      <a:headEnd type="none" w="med" len="med"/>
+                      <a:tailEnd type="none" w="med" len="med"/>
+                    </a:lnL>
+                    <a:lnR w="12700" cap="flat" cmpd="sng" algn="ctr">
+                      <a:noFill/>
+                      <a:prstDash val="solid"/>
+                      <a:round/>
+                      <a:headEnd type="none" w="med" len="med"/>
+                      <a:tailEnd type="none" w="med" len="med"/>
+                    </a:lnR>
+                    <a:lnT w="12700" cap="flat" cmpd="sng" algn="ctr">
+                      <a:noFill/>
+                      <a:prstDash val="solid"/>
+                      <a:round/>
+                      <a:headEnd type="none" w="med" len="med"/>
+                      <a:tailEnd type="none" w="med" len="med"/>
+                    </a:lnT>
+                    <a:lnB w="12700" cap="flat" cmpd="sng" algn="ctr">
+                      <a:noFill/>
+                      <a:prstDash val="solid"/>
+                      <a:round/>
+                      <a:headEnd type="none" w="med" len="med"/>
+                      <a:tailEnd type="none" w="med" len="med"/>
+                    </a:lnB>
+                    <a:lnTlToBr w="12700" cmpd="sng">
+                      <a:noFill/>
+                      <a:prstDash val="solid"/>
+                    </a:lnTlToBr>
+                    <a:lnBlToTr w="12700" cmpd="sng">
+                      <a:noFill/>
+                      <a:prstDash val="solid"/>
+                    </a:lnBlToTr>
+                  </a:tcPr>
+                </a:tc>
+              </a:tr>
+              <a:tr h="431290">
+                <a:tc>
+                  <a:txBody>
+                    <a:bodyPr/>
+                    <a:lstStyle/>
+                    <a:p>
+                      <a:pPr marL="0" marR="0" lvl="0" indent="0" algn="r" defTabSz="914400" rtl="0" eaLnBrk="1" fontAlgn="auto" latinLnBrk="0" hangingPunct="1">
+                        <a:lnSpc>
+                          <a:spcPct val="107000"/>
+                        </a:lnSpc>
+                        <a:spcBef>
+                          <a:spcPts val="0"/>
+                        </a:spcBef>
+                        <a:spcAft>
+                          <a:spcPts val="0"/>
+                        </a:spcAft>
+                        <a:buClrTx/>
+                        <a:buSzTx/>
+                        <a:buFontTx/>
+                        <a:buNone/>
+                        <a:tabLst/>
+                        <a:defRPr/>
+                      </a:pPr>
+                      <a:r>
+                        <a:rPr lang="en-US" sz="1400" b="1" dirty="0" smtClean="0">
+                          <a:latin typeface="Times New Roman" panose="02020603050405020304" pitchFamily="18" charset="0"/>
+                          <a:cs typeface="Times New Roman" panose="02020603050405020304" pitchFamily="18" charset="0"/>
+                        </a:rPr>
+                        <a:t>Communication</a:t>
+                      </a:r>
+                    </a:p>
+                    <a:p>
+                      <a:pPr marL="0" marR="0" algn="r">
+                        <a:lnSpc>
+                          <a:spcPct val="107000"/>
+                        </a:lnSpc>
+                        <a:spcBef>
+                          <a:spcPts val="0"/>
+                        </a:spcBef>
+                        <a:spcAft>
+                          <a:spcPts val="0"/>
+                        </a:spcAft>
+                      </a:pPr>
+                      <a:endParaRPr lang="en-US" sz="1400" b="1" dirty="0">
+                        <a:effectLst/>
+                        <a:latin typeface="Times New Roman" panose="02020603050405020304" pitchFamily="18" charset="0"/>
+                        <a:ea typeface="Calibri" panose="020F0502020204030204" pitchFamily="34" charset="0"/>
+                        <a:cs typeface="Times New Roman" panose="02020603050405020304" pitchFamily="18" charset="0"/>
+                      </a:endParaRPr>
+                    </a:p>
+                  </a:txBody>
+                  <a:tcPr marL="44024" marR="44024" marT="0" marB="0">
+                    <a:lnL w="12700" cap="flat" cmpd="sng" algn="ctr">
+                      <a:noFill/>
+                      <a:prstDash val="solid"/>
+                      <a:round/>
+                      <a:headEnd type="none" w="med" len="med"/>
+                      <a:tailEnd type="none" w="med" len="med"/>
+                    </a:lnL>
+                    <a:lnR w="12700" cap="flat" cmpd="sng" algn="ctr">
+                      <a:noFill/>
+                      <a:prstDash val="solid"/>
+                      <a:round/>
+                      <a:headEnd type="none" w="med" len="med"/>
+                      <a:tailEnd type="none" w="med" len="med"/>
+                    </a:lnR>
+                    <a:lnT w="12700" cap="flat" cmpd="sng" algn="ctr">
+                      <a:noFill/>
+                      <a:prstDash val="solid"/>
+                      <a:round/>
+                      <a:headEnd type="none" w="med" len="med"/>
+                      <a:tailEnd type="none" w="med" len="med"/>
+                    </a:lnT>
+                    <a:lnB w="12700" cap="flat" cmpd="sng" algn="ctr">
+                      <a:noFill/>
+                      <a:prstDash val="solid"/>
+                      <a:round/>
+                      <a:headEnd type="none" w="med" len="med"/>
+                      <a:tailEnd type="none" w="med" len="med"/>
+                    </a:lnB>
+                    <a:lnTlToBr w="12700" cmpd="sng">
+                      <a:noFill/>
+                      <a:prstDash val="solid"/>
+                    </a:lnTlToBr>
+                    <a:lnBlToTr w="12700" cmpd="sng">
+                      <a:noFill/>
+                      <a:prstDash val="solid"/>
+                    </a:lnBlToTr>
+                  </a:tcPr>
+                </a:tc>
+              </a:tr>
+            </a:tbl>
+          </a:graphicData>
+        </a:graphic>
+      </p:graphicFrame>
+      <p:sp>
+        <p:nvSpPr>
+          <p:cNvPr id="12" name="Title 1"/>
+          <p:cNvSpPr>
+            <a:spLocks noGrp="1"/>
+          </p:cNvSpPr>
+          <p:nvPr>
+            <p:ph type="title"/>
+          </p:nvPr>
+        </p:nvSpPr>
         <p:spPr>
           <a:xfrm>
-            <a:off x="1685924" y="1777427"/>
-            <a:ext cx="8148152" cy="4334852"/>
+            <a:off x="1080000" y="899886"/>
+            <a:ext cx="3898400" cy="479312"/>
+          </a:xfrm>
+        </p:spPr>
+        <p:txBody>
+          <a:bodyPr/>
+          <a:lstStyle/>
+          <a:p>
+            <a:r>
+              <a:rPr lang="en-US" dirty="0" smtClean="0"/>
+              <a:t>3. TRAINING PLAN (3/3)</a:t>
+            </a:r>
+            <a:endParaRPr lang="en-US" dirty="0"/>
+          </a:p>
+        </p:txBody>
+      </p:sp>
+      <p:sp>
+        <p:nvSpPr>
+          <p:cNvPr id="13" name="TextBox 12"/>
+          <p:cNvSpPr txBox="1"/>
+          <p:nvPr/>
+        </p:nvSpPr>
+        <p:spPr>
+          <a:xfrm>
+            <a:off x="3566859" y="1822886"/>
+            <a:ext cx="1852654" cy="307777"/>
           </a:xfrm>
           <a:prstGeom prst="rect">
             <a:avLst/>
           </a:prstGeom>
+          <a:noFill/>
         </p:spPr>
-      </p:pic>
+        <p:txBody>
+          <a:bodyPr wrap="square" rtlCol="0">
+            <a:spAutoFit/>
+          </a:bodyPr>
+          <a:lstStyle/>
+          <a:p>
+            <a:r>
+              <a:rPr lang="en-US" sz="1400" dirty="0" smtClean="0">
+                <a:latin typeface="Times New Roman" panose="02020603050405020304" pitchFamily="18" charset="0"/>
+                <a:cs typeface="Times New Roman" panose="02020603050405020304" pitchFamily="18" charset="0"/>
+              </a:rPr>
+              <a:t>Jun 27, 2017</a:t>
+            </a:r>
+            <a:endParaRPr lang="en-US" sz="1400" dirty="0">
+              <a:latin typeface="Times New Roman" panose="02020603050405020304" pitchFamily="18" charset="0"/>
+              <a:cs typeface="Times New Roman" panose="02020603050405020304" pitchFamily="18" charset="0"/>
+            </a:endParaRPr>
+          </a:p>
+        </p:txBody>
+      </p:sp>
+      <p:sp>
+        <p:nvSpPr>
+          <p:cNvPr id="14" name="TextBox 13"/>
+          <p:cNvSpPr txBox="1"/>
+          <p:nvPr/>
+        </p:nvSpPr>
+        <p:spPr>
+          <a:xfrm>
+            <a:off x="7057132" y="1817907"/>
+            <a:ext cx="2818738" cy="307777"/>
+          </a:xfrm>
+          <a:prstGeom prst="rect">
+            <a:avLst/>
+          </a:prstGeom>
+          <a:noFill/>
+        </p:spPr>
+        <p:txBody>
+          <a:bodyPr wrap="square" rtlCol="0">
+            <a:spAutoFit/>
+          </a:bodyPr>
+          <a:lstStyle/>
+          <a:p>
+            <a:r>
+              <a:rPr lang="en-US" sz="1400" dirty="0">
+                <a:latin typeface="Times New Roman" panose="02020603050405020304" pitchFamily="18" charset="0"/>
+                <a:cs typeface="Times New Roman" panose="02020603050405020304" pitchFamily="18" charset="0"/>
+              </a:rPr>
+              <a:t>Midterm Presentation</a:t>
+            </a:r>
+          </a:p>
+        </p:txBody>
+      </p:sp>
     </p:spTree>
     <p:extLst>
       <p:ext uri="{BB962C8B-B14F-4D97-AF65-F5344CB8AC3E}">
-        <p14:creationId xmlns:p14="http://schemas.microsoft.com/office/powerpoint/2010/main" val="1409574469"/>
+        <p14:creationId xmlns:p14="http://schemas.microsoft.com/office/powerpoint/2010/main" val="1888924201"/>
       </p:ext>
     </p:extLst>
   </p:cSld>
@@ -11448,19 +12964,7 @@
             </a:pPr>
             <a:r>
               <a:rPr lang="de-DE" sz="2400" dirty="0" smtClean="0"/>
-              <a:t>Target &amp;</a:t>
-            </a:r>
-            <a:r>
-              <a:rPr lang="de-DE" sz="2400" dirty="0">
-                <a:solidFill>
-                  <a:schemeClr val="accent2"/>
-                </a:solidFill>
-              </a:rPr>
-              <a:t> </a:t>
-            </a:r>
-            <a:r>
-              <a:rPr lang="de-DE" sz="2400" dirty="0" smtClean="0"/>
-              <a:t>Current status</a:t>
+              <a:t>Target and Current status</a:t>
             </a:r>
             <a:r>
               <a:rPr lang="de-DE" sz="2400" dirty="0"/>
@@ -11474,12 +12978,9 @@
             </a:pPr>
             <a:r>
               <a:rPr lang="de-DE" sz="2400" dirty="0" smtClean="0"/>
-              <a:t>Analysis and solution</a:t>
-            </a:r>
-            <a:r>
-              <a:rPr lang="de-DE" sz="2400" dirty="0"/>
-              <a:t>	</a:t>
-            </a:r>
+              <a:t>Gap and Analysis</a:t>
+            </a:r>
+            <a:endParaRPr lang="de-DE" sz="2400" dirty="0"/>
           </a:p>
           <a:p>
             <a:pPr marL="342900" indent="-342900">
@@ -11618,8 +13119,8 @@
         </p:nvSpPr>
         <p:spPr>
           <a:xfrm>
-            <a:off x="1080000" y="1733817"/>
-            <a:ext cx="10049108" cy="4479414"/>
+            <a:off x="1080000" y="1583694"/>
+            <a:ext cx="10049108" cy="4607672"/>
           </a:xfrm>
         </p:spPr>
         <p:txBody>
@@ -11631,7 +13132,7 @@
               <a:buChar char="§"/>
             </a:pPr>
             <a:r>
-              <a:rPr lang="de-DE" sz="2000" b="1" dirty="0" smtClean="0"/>
+              <a:rPr lang="de-DE" sz="2400" b="1" dirty="0" smtClean="0"/>
               <a:t>Target </a:t>
             </a:r>
           </a:p>
@@ -11641,19 +13142,19 @@
               <a:buChar char="•"/>
             </a:pPr>
             <a:r>
-              <a:rPr lang="en-US" sz="2000" dirty="0" smtClean="0"/>
+              <a:rPr lang="en-US" sz="2400" dirty="0" smtClean="0"/>
               <a:t>Achieve </a:t>
             </a:r>
             <a:r>
-              <a:rPr lang="en-US" sz="2000" dirty="0"/>
+              <a:rPr lang="en-US" sz="2400" dirty="0"/>
               <a:t>role Coding Engineer level 2 by May </a:t>
             </a:r>
             <a:r>
-              <a:rPr lang="en-US" sz="2000" dirty="0" smtClean="0"/>
+              <a:rPr lang="en-US" sz="2400" dirty="0" smtClean="0"/>
               <a:t>2019.</a:t>
             </a:r>
             <a:r>
-              <a:rPr lang="de-DE" sz="2000" dirty="0" smtClean="0"/>
+              <a:rPr lang="de-DE" sz="2400" dirty="0" smtClean="0"/>
               <a:t>	</a:t>
             </a:r>
           </a:p>
@@ -11663,8 +13164,8 @@
               <a:buChar char="§"/>
             </a:pPr>
             <a:r>
-              <a:rPr lang="de-DE" sz="2000" b="1" dirty="0" smtClean="0"/>
-              <a:t>After 2 years </a:t>
+              <a:rPr lang="de-DE" sz="2400" b="1" dirty="0" smtClean="0"/>
+              <a:t>Abilities after 2 years </a:t>
             </a:r>
           </a:p>
           <a:p>
@@ -11673,7 +13174,7 @@
               <a:buChar char="•"/>
             </a:pPr>
             <a:r>
-              <a:rPr lang="de-DE" sz="2000" dirty="0" smtClean="0"/>
+              <a:rPr lang="de-DE" sz="2400" dirty="0" smtClean="0"/>
               <a:t>Can do task without any support.</a:t>
             </a:r>
           </a:p>
@@ -11683,7 +13184,7 @@
               <a:buChar char="•"/>
             </a:pPr>
             <a:r>
-              <a:rPr lang="de-DE" sz="2000" dirty="0" smtClean="0"/>
+              <a:rPr lang="de-DE" sz="2400" dirty="0" smtClean="0"/>
               <a:t>Can manage work and communicate with team effectively.</a:t>
             </a:r>
           </a:p>
@@ -11693,7 +13194,7 @@
               <a:buChar char="§"/>
             </a:pPr>
             <a:r>
-              <a:rPr lang="de-DE" sz="2000" b="1" dirty="0" smtClean="0"/>
+              <a:rPr lang="de-DE" sz="2400" b="1" dirty="0" smtClean="0"/>
               <a:t>Action items</a:t>
             </a:r>
           </a:p>
@@ -11703,8 +13204,8 @@
               <a:buChar char="•"/>
             </a:pPr>
             <a:r>
-              <a:rPr lang="de-DE" sz="2000" dirty="0" smtClean="0"/>
-              <a:t> Improve technical and soft skills.</a:t>
+              <a:rPr lang="de-DE" sz="2400" dirty="0" smtClean="0"/>
+              <a:t>Improve technical and soft skills.</a:t>
             </a:r>
           </a:p>
           <a:p>
@@ -11713,7 +13214,7 @@
               <a:buChar char="•"/>
             </a:pPr>
             <a:r>
-              <a:rPr lang="de-DE" sz="2000" dirty="0" smtClean="0"/>
+              <a:rPr lang="de-DE" sz="2400" dirty="0" smtClean="0"/>
               <a:t>Make and keep schedule for assigned task.</a:t>
             </a:r>
             <a:r>
@@ -11797,8 +13298,8 @@
         </p:nvSpPr>
         <p:spPr>
           <a:xfrm>
-            <a:off x="2590800" y="2514600"/>
-            <a:ext cx="7928708" cy="923330"/>
+            <a:off x="2590799" y="2514600"/>
+            <a:ext cx="8119607" cy="830997"/>
           </a:xfrm>
           <a:prstGeom prst="rect">
             <a:avLst/>
@@ -11812,19 +13313,21 @@
           <a:lstStyle/>
           <a:p>
             <a:r>
-              <a:rPr lang="en-US" sz="5400" dirty="0" smtClean="0">
+              <a:rPr lang="en-US" sz="4800" dirty="0" smtClean="0">
                 <a:solidFill>
                   <a:schemeClr val="tx2"/>
                 </a:solidFill>
-                <a:latin typeface="Segoe UI Light" panose="020B0502040204020203" pitchFamily="34" charset="0"/>
+                <a:latin typeface="Arial Narrow (Headings)"/>
+                <a:cs typeface="Times New Roman" panose="02020603050405020304" pitchFamily="18" charset="0"/>
               </a:rPr>
-              <a:t>THANKS FOR YOUR TIME</a:t>
-            </a:r>
-            <a:endParaRPr lang="en-US" sz="5400" dirty="0">
+              <a:t>THANKS FOR YOUR TIME !</a:t>
+            </a:r>
+            <a:endParaRPr lang="en-US" sz="4800" dirty="0">
               <a:solidFill>
                 <a:schemeClr val="tx2"/>
               </a:solidFill>
-              <a:latin typeface="Segoe UI Light" panose="020B0502040204020203" pitchFamily="34" charset="0"/>
+              <a:latin typeface="Arial Narrow (Headings)"/>
+              <a:cs typeface="Times New Roman" panose="02020603050405020304" pitchFamily="18" charset="0"/>
             </a:endParaRPr>
           </a:p>
         </p:txBody>
@@ -11952,10 +13455,10 @@
             </a:pPr>
             <a:r>
               <a:rPr lang="de-DE" sz="2400" dirty="0" smtClean="0"/>
-              <a:t>Target &amp;</a:t>
-            </a:r>
-            <a:r>
-              <a:rPr lang="de-DE" sz="2400" dirty="0">
+              <a:t>Target and</a:t>
+            </a:r>
+            <a:r>
+              <a:rPr lang="de-DE" sz="2400" dirty="0" smtClean="0">
                 <a:solidFill>
                   <a:schemeClr val="accent2"/>
                 </a:solidFill>
@@ -11978,7 +13481,7 @@
             </a:pPr>
             <a:r>
               <a:rPr lang="de-DE" sz="2400" dirty="0" smtClean="0"/>
-              <a:t>Analysis and solution</a:t>
+              <a:t>Gap and Analysis</a:t>
             </a:r>
             <a:r>
               <a:rPr lang="de-DE" sz="2400" dirty="0"/>
@@ -12002,7 +13505,7 @@
             </a:pPr>
             <a:r>
               <a:rPr lang="de-DE" sz="2400" dirty="0" smtClean="0"/>
-              <a:t>Sumary </a:t>
+              <a:t>Summary </a:t>
             </a:r>
             <a:r>
               <a:rPr lang="de-DE" sz="2400" dirty="0"/>
@@ -12127,19 +13630,7 @@
             </a:pPr>
             <a:r>
               <a:rPr lang="de-DE" sz="2400" b="1" dirty="0" smtClean="0"/>
-              <a:t>Target &amp;</a:t>
-            </a:r>
-            <a:r>
-              <a:rPr lang="de-DE" sz="2400" b="1" dirty="0">
-                <a:solidFill>
-                  <a:schemeClr val="accent2"/>
-                </a:solidFill>
-              </a:rPr>
-              <a:t> </a:t>
-            </a:r>
-            <a:r>
-              <a:rPr lang="de-DE" sz="2400" b="1" dirty="0" smtClean="0"/>
-              <a:t>Current status</a:t>
+              <a:t>Target and Current status</a:t>
             </a:r>
             <a:r>
               <a:rPr lang="de-DE" sz="2400" dirty="0"/>
@@ -12153,15 +13644,7 @@
             </a:pPr>
             <a:r>
               <a:rPr lang="de-DE" sz="2400" dirty="0" smtClean="0"/>
-              <a:t>Analysis and </a:t>
-            </a:r>
-            <a:r>
-              <a:rPr lang="de-DE" sz="2400" dirty="0"/>
-              <a:t>S</a:t>
-            </a:r>
-            <a:r>
-              <a:rPr lang="de-DE" sz="2400" dirty="0" smtClean="0"/>
-              <a:t>olution</a:t>
+              <a:t>Gap and Analysis</a:t>
             </a:r>
             <a:r>
               <a:rPr lang="de-DE" sz="2400" dirty="0"/>
@@ -12185,7 +13668,7 @@
             </a:pPr>
             <a:r>
               <a:rPr lang="de-DE" sz="2400" dirty="0" smtClean="0"/>
-              <a:t>Sumary </a:t>
+              <a:t>Summary </a:t>
             </a:r>
             <a:r>
               <a:rPr lang="de-DE" sz="2400" dirty="0"/>
@@ -12254,7 +13737,7 @@
           <a:p>
             <a:r>
               <a:rPr lang="en-US" dirty="0" smtClean="0"/>
-              <a:t>1. TARGET &amp; CURRENT STATUS (1/2)</a:t>
+              <a:t>1. TARGET and CURRENT STATUS (1/2)</a:t>
             </a:r>
             <a:endParaRPr lang="en-US" dirty="0"/>
           </a:p>
@@ -12311,14 +13794,14 @@
             <p:ph idx="1"/>
             <p:extLst>
               <p:ext uri="{D42A27DB-BD31-4B8C-83A1-F6EECF244321}">
-                <p14:modId xmlns:p14="http://schemas.microsoft.com/office/powerpoint/2010/main" val="816742192"/>
+                <p14:modId xmlns:p14="http://schemas.microsoft.com/office/powerpoint/2010/main" val="2263305938"/>
               </p:ext>
             </p:extLst>
           </p:nvPr>
         </p:nvGraphicFramePr>
         <p:xfrm>
-          <a:off x="437662" y="1719383"/>
-          <a:ext cx="11207261" cy="4506223"/>
+          <a:off x="478606" y="1596789"/>
+          <a:ext cx="11207261" cy="4683407"/>
         </p:xfrm>
         <a:graphic>
           <a:graphicData uri="http://schemas.openxmlformats.org/drawingml/2006/table">
@@ -12329,11 +13812,11 @@
               <a:tblGrid>
                 <a:gridCol w="1938215"/>
                 <a:gridCol w="3159562"/>
-                <a:gridCol w="4030592"/>
-                <a:gridCol w="1055077"/>
-                <a:gridCol w="1023815"/>
+                <a:gridCol w="4181767"/>
+                <a:gridCol w="1023582"/>
+                <a:gridCol w="904135"/>
               </a:tblGrid>
-              <a:tr h="668742">
+              <a:tr h="657294">
                 <a:tc>
                   <a:txBody>
                     <a:bodyPr/>
@@ -12398,7 +13881,7 @@
                       <a:pPr algn="l"/>
                       <a:r>
                         <a:rPr lang="en-US" sz="1800" b="0" baseline="0" dirty="0" smtClean="0"/>
-                        <a:t>level</a:t>
+                        <a:t>Level</a:t>
                       </a:r>
                       <a:endParaRPr lang="en-US" sz="1800" b="0" dirty="0"/>
                     </a:p>
@@ -12424,7 +13907,7 @@
                       <a:pPr algn="l"/>
                       <a:r>
                         <a:rPr lang="en-US" sz="1800" b="0" baseline="0" dirty="0" smtClean="0"/>
-                        <a:t>level</a:t>
+                        <a:t>Level</a:t>
                       </a:r>
                       <a:endParaRPr lang="en-US" sz="1800" b="0" dirty="0"/>
                     </a:p>
@@ -12432,7 +13915,7 @@
                   <a:tcPr/>
                 </a:tc>
               </a:tr>
-              <a:tr h="745844">
+              <a:tr h="794923">
                 <a:tc>
                   <a:txBody>
                     <a:bodyPr/>
@@ -12456,15 +13939,7 @@
                       <a:pPr algn="l"/>
                       <a:r>
                         <a:rPr lang="en-US" sz="1600" b="0" dirty="0" smtClean="0"/>
-                        <a:t>- Basic knowledge of C, Shell script</a:t>
-                      </a:r>
-                      <a:r>
-                        <a:rPr lang="en-US" sz="1600" b="0" baseline="0" dirty="0" smtClean="0"/>
-                        <a:t> </a:t>
-                      </a:r>
-                      <a:r>
-                        <a:rPr lang="en-US" sz="1600" b="0" dirty="0" smtClean="0"/>
-                        <a:t>language.</a:t>
+                        <a:t>- Basic knowledge of C</a:t>
                       </a:r>
                       <a:endParaRPr lang="en-US" sz="1600" b="0" dirty="0"/>
                     </a:p>
@@ -12479,23 +13954,14 @@
                       <a:pPr algn="l"/>
                       <a:r>
                         <a:rPr lang="en-US" sz="1600" b="0" dirty="0" smtClean="0"/>
-                        <a:t>- Understand structure and operation of </a:t>
-                      </a:r>
-                      <a:r>
-                        <a:rPr lang="en-US" sz="1600" b="0" dirty="0" err="1" smtClean="0"/>
-                        <a:t>RCar</a:t>
-                      </a:r>
+                        <a:t>-Can create program base on detailed design documents.</a:t>
+                      </a:r>
+                    </a:p>
+                    <a:p>
+                      <a:pPr algn="l"/>
                       <a:r>
                         <a:rPr lang="en-US" sz="1600" b="0" dirty="0" smtClean="0"/>
-                        <a:t>,</a:t>
-                      </a:r>
-                      <a:r>
-                        <a:rPr lang="en-US" sz="1600" b="0" baseline="0" dirty="0" smtClean="0"/>
-                        <a:t> </a:t>
-                      </a:r>
-                      <a:r>
-                        <a:rPr lang="en-US" sz="1600" b="0" dirty="0" smtClean="0"/>
-                        <a:t>RZ/G series.</a:t>
+                        <a:t>-Can conduct code review of source code.</a:t>
                       </a:r>
                       <a:endParaRPr lang="en-US" sz="1600" b="0" dirty="0"/>
                     </a:p>
@@ -12533,7 +13999,7 @@
                   <a:tcPr/>
                 </a:tc>
               </a:tr>
-              <a:tr h="859811">
+              <a:tr h="794923">
                 <a:tc>
                   <a:txBody>
                     <a:bodyPr/>
@@ -12568,14 +14034,6 @@
                       </a:r>
                       <a:r>
                         <a:rPr lang="en-US" sz="1600" b="0" dirty="0" err="1" smtClean="0"/>
-                        <a:t>Qt</a:t>
-                      </a:r>
-                      <a:r>
-                        <a:rPr lang="en-US" sz="1600" b="0" dirty="0" smtClean="0"/>
-                        <a:t>, </a:t>
-                      </a:r>
-                      <a:r>
-                        <a:rPr lang="en-US" sz="1600" b="0" dirty="0" err="1" smtClean="0"/>
                         <a:t>Yocto</a:t>
                       </a:r>
                       <a:r>
@@ -12584,19 +14042,7 @@
                       </a:r>
                       <a:r>
                         <a:rPr lang="en-US" sz="1600" b="0" dirty="0" err="1" smtClean="0"/>
-                        <a:t>Gstreamer</a:t>
-                      </a:r>
-                      <a:r>
-                        <a:rPr lang="en-US" sz="1600" b="0" dirty="0" smtClean="0"/>
-                        <a:t>,</a:t>
-                      </a:r>
-                      <a:r>
-                        <a:rPr lang="en-US" sz="1600" b="0" baseline="0" dirty="0" smtClean="0"/>
-                        <a:t> </a:t>
-                      </a:r>
-                      <a:r>
-                        <a:rPr lang="en-US" sz="1600" b="0" dirty="0" smtClean="0"/>
-                        <a:t>Scripting</a:t>
+                        <a:t>GStreamer</a:t>
                       </a:r>
                       <a:r>
                         <a:rPr lang="en-US" sz="1600" b="0" dirty="0" smtClean="0"/>
@@ -12614,16 +14060,8 @@
                     <a:p>
                       <a:pPr algn="l"/>
                       <a:r>
-                        <a:rPr lang="da-DK" sz="1600" b="0" dirty="0" smtClean="0"/>
-                        <a:t>- Understand operating system (Linux kernel,</a:t>
-                      </a:r>
-                      <a:r>
-                        <a:rPr lang="da-DK" sz="1600" b="0" baseline="0" dirty="0" smtClean="0"/>
-                        <a:t> </a:t>
-                      </a:r>
-                      <a:r>
-                        <a:rPr lang="da-DK" sz="1600" b="0" dirty="0" smtClean="0"/>
-                        <a:t>device driver) of RCar, RZ/G</a:t>
+                        <a:rPr lang="en-US" sz="1600" b="0" dirty="0" smtClean="0"/>
+                        <a:t>-Understand development, target environments and can create source code with these environments.</a:t>
                       </a:r>
                       <a:endParaRPr lang="en-US" sz="1600" b="0" dirty="0"/>
                     </a:p>
@@ -12661,7 +14099,7 @@
                   <a:tcPr/>
                 </a:tc>
               </a:tr>
-              <a:tr h="704433">
+              <a:tr h="762310">
                 <a:tc>
                   <a:txBody>
                     <a:bodyPr/>
@@ -12707,14 +14145,7 @@
                       <a:pPr algn="l"/>
                       <a:r>
                         <a:rPr lang="en-US" sz="1600" b="0" dirty="0" smtClean="0"/>
-                        <a:t>- Can feedback by looking at work result.</a:t>
-                      </a:r>
-                    </a:p>
-                    <a:p>
-                      <a:pPr algn="l"/>
-                      <a:r>
-                        <a:rPr lang="en-US" sz="1600" b="0" dirty="0" smtClean="0"/>
-                        <a:t>- Can apply development process.</a:t>
+                        <a:t>-Have technique to improve code readability and perform coding accordingly.</a:t>
                       </a:r>
                       <a:endParaRPr lang="en-US" sz="1600" b="0" dirty="0"/>
                     </a:p>
@@ -12752,7 +14183,7 @@
                   <a:tcPr/>
                 </a:tc>
               </a:tr>
-              <a:tr h="704433">
+              <a:tr h="794923">
                 <a:tc>
                   <a:txBody>
                     <a:bodyPr/>
@@ -12790,11 +14221,7 @@
                       <a:pPr algn="l"/>
                       <a:r>
                         <a:rPr lang="en-US" sz="1600" b="0" dirty="0" smtClean="0"/>
-                        <a:t>- Limited knowledge about </a:t>
-                      </a:r>
-                      <a:r>
-                        <a:rPr lang="en-US" sz="1600" b="0" dirty="0" err="1" smtClean="0"/>
-                        <a:t>objectoriented</a:t>
+                        <a:t>- Limited knowledge about object-oriented</a:t>
                       </a:r>
                       <a:r>
                         <a:rPr lang="en-US" sz="1600" b="0" baseline="0" dirty="0" smtClean="0"/>
@@ -12817,14 +14244,18 @@
                       <a:pPr algn="l"/>
                       <a:r>
                         <a:rPr lang="en-US" sz="1600" b="0" dirty="0" smtClean="0"/>
-                        <a:t>- Can make and keep self schedule.</a:t>
+                        <a:t>-Can make structure analysis/design and object-oriented design.</a:t>
                       </a:r>
                     </a:p>
                     <a:p>
                       <a:pPr algn="l"/>
                       <a:r>
                         <a:rPr lang="en-US" sz="1600" b="0" dirty="0" smtClean="0"/>
-                        <a:t>- Can raise alarm if any.</a:t>
+                        <a:t>- Learn</a:t>
+                      </a:r>
+                      <a:r>
+                        <a:rPr lang="en-US" sz="1600" b="0" baseline="0" dirty="0" smtClean="0"/>
+                        <a:t> and apply V-model method</a:t>
                       </a:r>
                       <a:endParaRPr lang="en-US" sz="1600" b="0" dirty="0"/>
                     </a:p>
@@ -12862,7 +14293,7 @@
                   <a:tcPr/>
                 </a:tc>
               </a:tr>
-              <a:tr h="704433">
+              <a:tr h="794923">
                 <a:tc>
                   <a:txBody>
                     <a:bodyPr/>
@@ -12908,14 +14339,14 @@
                       <a:pPr algn="l"/>
                       <a:r>
                         <a:rPr lang="en-US" sz="1600" b="0" dirty="0" smtClean="0"/>
-                        <a:t>- Can report problem to supervisor clearly.</a:t>
+                        <a:t>-Can locate, analyze root causes of bugs.</a:t>
                       </a:r>
                     </a:p>
                     <a:p>
                       <a:pPr algn="l"/>
                       <a:r>
                         <a:rPr lang="en-US" sz="1600" b="0" dirty="0" smtClean="0"/>
-                        <a:t>- Can report work status in team.</a:t>
+                        <a:t>-Can take measure, prevention for bugs</a:t>
                       </a:r>
                       <a:endParaRPr lang="en-US" sz="1600" b="0" dirty="0"/>
                     </a:p>
@@ -12960,13 +14391,20 @@
     </p:spTree>
     <p:extLst>
       <p:ext uri="{BB962C8B-B14F-4D97-AF65-F5344CB8AC3E}">
-        <p14:creationId xmlns:p14="http://schemas.microsoft.com/office/powerpoint/2010/main" val="319744249"/>
+        <p14:creationId xmlns:p14="http://schemas.microsoft.com/office/powerpoint/2010/main" val="27665398"/>
       </p:ext>
     </p:extLst>
   </p:cSld>
   <p:clrMapOvr>
     <a:masterClrMapping/>
   </p:clrMapOvr>
+  <p:timing>
+    <p:tnLst>
+      <p:par>
+        <p:cTn id="1" dur="indefinite" restart="never" nodeType="tmRoot"/>
+      </p:par>
+    </p:tnLst>
+  </p:timing>
 </p:sld>
 </file>
 
@@ -13009,7 +14447,7 @@
           <a:p>
             <a:r>
               <a:rPr lang="en-US" dirty="0" smtClean="0"/>
-              <a:t>1. TARGET &amp; CURRENT STATUS (2/2)</a:t>
+              <a:t>1. TARGET and CURRENT STATUS (2/2)</a:t>
             </a:r>
             <a:endParaRPr lang="en-US" dirty="0"/>
           </a:p>
@@ -13066,14 +14504,14 @@
             <p:ph idx="1"/>
             <p:extLst>
               <p:ext uri="{D42A27DB-BD31-4B8C-83A1-F6EECF244321}">
-                <p14:modId xmlns:p14="http://schemas.microsoft.com/office/powerpoint/2010/main" val="1255287822"/>
+                <p14:modId xmlns:p14="http://schemas.microsoft.com/office/powerpoint/2010/main" val="1877858913"/>
               </p:ext>
             </p:extLst>
           </p:nvPr>
         </p:nvGraphicFramePr>
         <p:xfrm>
-          <a:off x="437662" y="1719383"/>
-          <a:ext cx="11207261" cy="4501663"/>
+          <a:off x="478606" y="1624084"/>
+          <a:ext cx="11207261" cy="4637907"/>
         </p:xfrm>
         <a:graphic>
           <a:graphicData uri="http://schemas.openxmlformats.org/drawingml/2006/table">
@@ -13084,11 +14522,11 @@
               <a:tblGrid>
                 <a:gridCol w="1938215"/>
                 <a:gridCol w="3159562"/>
-                <a:gridCol w="4030592"/>
-                <a:gridCol w="1055077"/>
-                <a:gridCol w="1023815"/>
+                <a:gridCol w="4140824"/>
+                <a:gridCol w="1078173"/>
+                <a:gridCol w="890487"/>
               </a:tblGrid>
-              <a:tr h="668742">
+              <a:tr h="688982">
                 <a:tc>
                   <a:txBody>
                     <a:bodyPr/>
@@ -13187,7 +14625,7 @@
                   <a:tcPr/>
                 </a:tc>
               </a:tr>
-              <a:tr h="859811">
+              <a:tr h="885833">
                 <a:tc>
                   <a:txBody>
                     <a:bodyPr/>
@@ -13212,36 +14650,22 @@
                     <a:bodyPr/>
                     <a:lstStyle/>
                     <a:p>
-                      <a:pPr algn="l"/>
+                      <a:pPr marL="0" indent="0" algn="l">
+                        <a:buFontTx/>
+                        <a:buNone/>
+                      </a:pPr>
                       <a:r>
                         <a:rPr lang="en-US" sz="1600" b="0" dirty="0" smtClean="0"/>
-                        <a:t>- Limited knowledge of structure </a:t>
+                        <a:t>- Limited knowledge about RZ/G and </a:t>
+                      </a:r>
+                      <a:r>
+                        <a:rPr lang="en-US" sz="1600" b="0" dirty="0" err="1" smtClean="0"/>
+                        <a:t>Rcar</a:t>
                       </a:r>
                       <a:r>
                         <a:rPr lang="en-US" sz="1600" b="0" dirty="0" smtClean="0"/>
-                        <a:t>and</a:t>
-                      </a:r>
-                      <a:r>
-                        <a:rPr lang="en-US" sz="1600" b="0" baseline="0" dirty="0" smtClean="0"/>
-                        <a:t> </a:t>
-                      </a:r>
-                      <a:r>
-                        <a:rPr lang="en-US" sz="1600" b="0" dirty="0" smtClean="0"/>
-                        <a:t>operation </a:t>
-                      </a:r>
-                      <a:r>
-                        <a:rPr lang="en-US" sz="1600" b="0" dirty="0" smtClean="0"/>
-                        <a:t>of </a:t>
-                      </a:r>
-                      <a:r>
-                        <a:rPr lang="en-US" sz="1600" b="0" dirty="0" err="1" smtClean="0"/>
-                        <a:t>RCar</a:t>
-                      </a:r>
-                      <a:r>
-                        <a:rPr lang="en-US" sz="1600" b="0" dirty="0" smtClean="0"/>
-                        <a:t>, RZ/G series.</a:t>
-                      </a:r>
-                      <a:endParaRPr lang="en-US" sz="1600" b="0" dirty="0"/>
+                        <a:t> series.</a:t>
+                      </a:r>
                     </a:p>
                   </a:txBody>
                   <a:tcPr/>
@@ -13254,27 +14678,11 @@
                       <a:pPr algn="l"/>
                       <a:r>
                         <a:rPr lang="en-US" sz="1600" b="0" dirty="0" smtClean="0"/>
-                        <a:t>- Understand structure and operation of </a:t>
+                        <a:t>- Can refer to hardware manual to find relevant information of a specific </a:t>
                       </a:r>
                       <a:r>
                         <a:rPr lang="en-US" sz="1600" b="0" dirty="0" err="1" smtClean="0"/>
-                        <a:t>RCar</a:t>
-                      </a:r>
-                      <a:r>
-                        <a:rPr lang="en-US" sz="1600" b="0" dirty="0" smtClean="0"/>
-                        <a:t>,</a:t>
-                      </a:r>
-                      <a:r>
-                        <a:rPr lang="en-US" sz="1600" b="0" baseline="0" dirty="0" smtClean="0"/>
-                        <a:t> </a:t>
-                      </a:r>
-                      <a:r>
-                        <a:rPr lang="en-US" sz="1600" b="0" dirty="0" smtClean="0"/>
-                        <a:t>RZ/G </a:t>
-                      </a:r>
-                      <a:r>
-                        <a:rPr lang="en-US" sz="1600" b="0" dirty="0" smtClean="0"/>
-                        <a:t>series.</a:t>
+                        <a:t>SoC.</a:t>
                       </a:r>
                       <a:endParaRPr lang="en-US" sz="1600" b="0" dirty="0"/>
                     </a:p>
@@ -13312,7 +14720,7 @@
                   <a:tcPr/>
                 </a:tc>
               </a:tr>
-              <a:tr h="859811">
+              <a:tr h="885833">
                 <a:tc>
                   <a:txBody>
                     <a:bodyPr/>
@@ -13340,7 +14748,7 @@
                       <a:pPr algn="l"/>
                       <a:r>
                         <a:rPr lang="en-US" sz="1600" b="0" dirty="0" smtClean="0"/>
-                        <a:t>- Limited knowledge about Linux</a:t>
+                        <a:t>- Limited knowledge and experience about Linux</a:t>
                       </a:r>
                       <a:r>
                         <a:rPr lang="en-US" sz="1600" b="0" baseline="0" dirty="0" smtClean="0"/>
@@ -13359,11 +14767,7 @@
                       <a:pPr algn="l"/>
                       <a:r>
                         <a:rPr lang="da-DK" sz="1600" b="0" dirty="0" smtClean="0"/>
-                        <a:t>- Understand operating system (</a:t>
-                      </a:r>
-                      <a:r>
-                        <a:rPr lang="da-DK" sz="1600" b="0" dirty="0" smtClean="0"/>
-                        <a:t>Linux</a:t>
+                        <a:t>- Understand operating system (Linux</a:t>
                       </a:r>
                       <a:r>
                         <a:rPr lang="da-DK" sz="1600" b="0" baseline="0" dirty="0" smtClean="0"/>
@@ -13379,11 +14783,7 @@
                       </a:r>
                       <a:r>
                         <a:rPr lang="da-DK" sz="1600" b="0" dirty="0" smtClean="0"/>
-                        <a:t>device </a:t>
-                      </a:r>
-                      <a:r>
-                        <a:rPr lang="da-DK" sz="1600" b="0" dirty="0" smtClean="0"/>
-                        <a:t>driver) of RCar, RZ/G</a:t>
+                        <a:t>device driver) of RCar, RZ/G</a:t>
                       </a:r>
                       <a:endParaRPr lang="en-US" sz="1600" b="0" dirty="0"/>
                     </a:p>
@@ -13421,7 +14821,7 @@
                   <a:tcPr/>
                 </a:tc>
               </a:tr>
-              <a:tr h="704433">
+              <a:tr h="725753">
                 <a:tc>
                   <a:txBody>
                     <a:bodyPr/>
@@ -13446,14 +14846,23 @@
                     <a:bodyPr/>
                     <a:lstStyle/>
                     <a:p>
-                      <a:pPr algn="l"/>
-                      <a:r>
-                        <a:rPr lang="en-US" sz="1600" b="0" dirty="0" smtClean="0"/>
-                        <a:t>-</a:t>
-                      </a:r>
+                      <a:pPr marL="0" indent="0" algn="l">
+                        <a:buFontTx/>
+                        <a:buNone/>
+                      </a:pPr>
                       <a:r>
                         <a:rPr lang="en-US" sz="1600" b="0" baseline="0" dirty="0" smtClean="0"/>
-                        <a:t> Limited knowledge about RZ/G product</a:t>
+                        <a:t>- Basic knowledge</a:t>
+                      </a:r>
+                    </a:p>
+                    <a:p>
+                      <a:pPr marL="0" indent="0" algn="l">
+                        <a:buFontTx/>
+                        <a:buNone/>
+                      </a:pPr>
+                      <a:r>
+                        <a:rPr lang="en-US" sz="1600" b="0" baseline="0" dirty="0" smtClean="0"/>
+                        <a:t>- No experience in this field</a:t>
                       </a:r>
                       <a:endParaRPr lang="en-US" sz="1600" b="0" dirty="0"/>
                     </a:p>
@@ -13513,7 +14922,7 @@
                   <a:tcPr/>
                 </a:tc>
               </a:tr>
-              <a:tr h="704433">
+              <a:tr h="725753">
                 <a:tc>
                   <a:txBody>
                     <a:bodyPr/>
@@ -13537,7 +14946,7 @@
                       <a:pPr algn="l"/>
                       <a:r>
                         <a:rPr lang="en-US" sz="1600" b="0" dirty="0" smtClean="0"/>
-                        <a:t>- Can keep assigned schedule</a:t>
+                        <a:t>- I cannot manage my time at work.</a:t>
                       </a:r>
                       <a:endParaRPr lang="en-US" sz="1600" b="0" dirty="0"/>
                     </a:p>
@@ -13552,7 +14961,7 @@
                       <a:pPr algn="l"/>
                       <a:r>
                         <a:rPr lang="en-US" sz="1600" b="0" dirty="0" smtClean="0"/>
-                        <a:t>- Can make and keep self schedule.</a:t>
+                        <a:t>- Can make schedule and manage my time.</a:t>
                       </a:r>
                     </a:p>
                     <a:p>
@@ -13597,7 +15006,7 @@
                   <a:tcPr/>
                 </a:tc>
               </a:tr>
-              <a:tr h="704433">
+              <a:tr h="725753">
                 <a:tc>
                   <a:txBody>
                     <a:bodyPr/>
@@ -13699,6 +15108,13 @@
   <p:clrMapOvr>
     <a:masterClrMapping/>
   </p:clrMapOvr>
+  <p:timing>
+    <p:tnLst>
+      <p:par>
+        <p:cTn id="1" dur="indefinite" restart="never" nodeType="tmRoot"/>
+      </p:par>
+    </p:tnLst>
+  </p:timing>
 </p:sld>
 </file>
 
@@ -13729,7 +15145,12 @@
             <p:ph type="title"/>
           </p:nvPr>
         </p:nvSpPr>
-        <p:spPr/>
+        <p:spPr>
+          <a:xfrm>
+            <a:off x="1080000" y="812800"/>
+            <a:ext cx="1909943" cy="566398"/>
+          </a:xfrm>
+        </p:spPr>
         <p:txBody>
           <a:bodyPr/>
           <a:lstStyle/>
@@ -13797,19 +15218,7 @@
             </a:pPr>
             <a:r>
               <a:rPr lang="de-DE" sz="2400" dirty="0" smtClean="0"/>
-              <a:t>Target &amp;</a:t>
-            </a:r>
-            <a:r>
-              <a:rPr lang="de-DE" sz="2400" dirty="0">
-                <a:solidFill>
-                  <a:schemeClr val="accent2"/>
-                </a:solidFill>
-              </a:rPr>
-              <a:t> </a:t>
-            </a:r>
-            <a:r>
-              <a:rPr lang="de-DE" sz="2400" dirty="0" smtClean="0"/>
-              <a:t>Current status</a:t>
+              <a:t>Target and Current status</a:t>
             </a:r>
             <a:r>
               <a:rPr lang="de-DE" sz="2400" dirty="0"/>
@@ -13823,7 +15232,7 @@
             </a:pPr>
             <a:r>
               <a:rPr lang="de-DE" sz="2400" b="1" dirty="0" smtClean="0"/>
-              <a:t>Analysis and solution</a:t>
+              <a:t>Gap and Analysis</a:t>
             </a:r>
             <a:r>
               <a:rPr lang="de-DE" sz="2400" b="1" dirty="0"/>
@@ -13847,7 +15256,7 @@
             </a:pPr>
             <a:r>
               <a:rPr lang="de-DE" sz="2400" dirty="0" smtClean="0"/>
-              <a:t>Sumary </a:t>
+              <a:t>Summary </a:t>
             </a:r>
             <a:r>
               <a:rPr lang="de-DE" sz="2400" dirty="0"/>
@@ -13907,7 +15316,7 @@
         <p:spPr>
           <a:xfrm>
             <a:off x="1080000" y="936000"/>
-            <a:ext cx="8520000" cy="443198"/>
+            <a:ext cx="4566057" cy="443198"/>
           </a:xfrm>
         </p:spPr>
         <p:txBody>
@@ -13916,7 +15325,7 @@
           <a:p>
             <a:r>
               <a:rPr lang="en-US" dirty="0" smtClean="0"/>
-              <a:t>2. Gap &amp; analysis (1/2)</a:t>
+              <a:t>2. Gap and analysis (1/2)</a:t>
             </a:r>
             <a:endParaRPr lang="en-US" dirty="0"/>
           </a:p>
@@ -13973,14 +15382,14 @@
             <p:ph idx="1"/>
             <p:extLst>
               <p:ext uri="{D42A27DB-BD31-4B8C-83A1-F6EECF244321}">
-                <p14:modId xmlns:p14="http://schemas.microsoft.com/office/powerpoint/2010/main" val="4142247389"/>
+                <p14:modId xmlns:p14="http://schemas.microsoft.com/office/powerpoint/2010/main" val="2216992388"/>
               </p:ext>
             </p:extLst>
           </p:nvPr>
         </p:nvGraphicFramePr>
         <p:xfrm>
           <a:off x="437662" y="1719383"/>
-          <a:ext cx="11277600" cy="4407879"/>
+          <a:ext cx="11277600" cy="4264576"/>
         </p:xfrm>
         <a:graphic>
           <a:graphicData uri="http://schemas.openxmlformats.org/drawingml/2006/table">
@@ -13993,7 +15402,7 @@
                 <a:gridCol w="4618892"/>
                 <a:gridCol w="4868985"/>
               </a:tblGrid>
-              <a:tr h="686471">
+              <a:tr h="570593">
                 <a:tc>
                   <a:txBody>
                     <a:bodyPr/>
@@ -14061,13 +15470,13 @@
                     <a:bodyPr/>
                     <a:lstStyle/>
                     <a:p>
-                      <a:pPr marL="285750" indent="-285750" algn="l">
+                      <a:pPr marL="0" indent="0" algn="l">
                         <a:buFontTx/>
-                        <a:buChar char="-"/>
+                        <a:buNone/>
                       </a:pPr>
                       <a:r>
                         <a:rPr lang="en-US" sz="1600" b="0" dirty="0" smtClean="0"/>
-                        <a:t>Can not create program base on detail document.</a:t>
+                        <a:t>- Can not create program base on detail document.</a:t>
                       </a:r>
                       <a:endParaRPr lang="en-US" sz="1600" b="0" dirty="0"/>
                     </a:p>
@@ -14079,23 +15488,13 @@
                     <a:bodyPr/>
                     <a:lstStyle/>
                     <a:p>
-                      <a:pPr marL="285750" indent="-285750" algn="l">
-                        <a:buFontTx/>
-                        <a:buChar char="-"/>
-                      </a:pPr>
-                      <a:r>
-                        <a:rPr lang="en-US" sz="1600" b="0" dirty="0" smtClean="0"/>
-                        <a:t>Have no experience in real coding project,</a:t>
-                      </a:r>
-                    </a:p>
-                    <a:p>
                       <a:pPr marL="0" indent="0" algn="l">
                         <a:buFontTx/>
                         <a:buNone/>
                       </a:pPr>
                       <a:r>
                         <a:rPr lang="en-US" sz="1600" b="0" dirty="0" smtClean="0"/>
-                        <a:t>reading design</a:t>
+                        <a:t>-</a:t>
                       </a:r>
                       <a:r>
                         <a:rPr lang="en-US" sz="1600" b="0" baseline="0" dirty="0" smtClean="0"/>
@@ -14103,7 +15502,186 @@
                       </a:r>
                       <a:r>
                         <a:rPr lang="en-US" sz="1600" b="0" dirty="0" smtClean="0"/>
+                        <a:t>Have no experience in real coding project,</a:t>
+                      </a:r>
+                    </a:p>
+                    <a:p>
+                      <a:pPr marL="0" indent="0" algn="l">
+                        <a:buFontTx/>
+                        <a:buNone/>
+                      </a:pPr>
+                      <a:r>
+                        <a:rPr lang="en-US" sz="1600" b="0" dirty="0" smtClean="0"/>
+                        <a:t>reading design</a:t>
+                      </a:r>
+                      <a:r>
+                        <a:rPr lang="en-US" sz="1600" b="0" baseline="0" dirty="0" smtClean="0"/>
+                        <a:t> </a:t>
+                      </a:r>
+                      <a:r>
+                        <a:rPr lang="en-US" sz="1600" b="0" dirty="0" smtClean="0"/>
                         <a:t>document.</a:t>
+                      </a:r>
+                      <a:endParaRPr lang="en-US" sz="1600" b="0" dirty="0"/>
+                    </a:p>
+                  </a:txBody>
+                  <a:tcPr/>
+                </a:tc>
+              </a:tr>
+              <a:tr h="717500">
+                <a:tc>
+                  <a:txBody>
+                    <a:bodyPr/>
+                    <a:lstStyle/>
+                    <a:p>
+                      <a:pPr algn="just"/>
+                      <a:r>
+                        <a:rPr lang="en-US" sz="1600" b="0" dirty="0" smtClean="0"/>
+                        <a:t>Development</a:t>
+                      </a:r>
+                    </a:p>
+                    <a:p>
+                      <a:pPr algn="just"/>
+                      <a:r>
+                        <a:rPr lang="en-US" sz="1600" b="0" dirty="0" smtClean="0"/>
+                        <a:t>environment</a:t>
+                      </a:r>
+                    </a:p>
+                  </a:txBody>
+                  <a:tcPr/>
+                </a:tc>
+                <a:tc>
+                  <a:txBody>
+                    <a:bodyPr/>
+                    <a:lstStyle/>
+                    <a:p>
+                      <a:pPr algn="l"/>
+                      <a:r>
+                        <a:rPr lang="en-US" sz="1600" b="0" dirty="0" smtClean="0"/>
+                        <a:t>- Do not understand clearly about </a:t>
+                      </a:r>
+                      <a:r>
+                        <a:rPr lang="en-US" sz="1600" b="0" dirty="0" err="1" smtClean="0"/>
+                        <a:t>Qt</a:t>
+                      </a:r>
+                      <a:r>
+                        <a:rPr lang="en-US" sz="1600" b="0" dirty="0" smtClean="0"/>
+                        <a:t>,  </a:t>
+                      </a:r>
+                      <a:r>
+                        <a:rPr lang="en-US" sz="1600" b="0" dirty="0" err="1" smtClean="0"/>
+                        <a:t>Yocto</a:t>
+                      </a:r>
+                      <a:r>
+                        <a:rPr lang="en-US" sz="1600" b="0" baseline="0" dirty="0" smtClean="0"/>
+                        <a:t> </a:t>
+                      </a:r>
+                      <a:r>
+                        <a:rPr lang="en-US" sz="1600" b="0" dirty="0" smtClean="0"/>
+                        <a:t>project</a:t>
+                      </a:r>
+                      <a:endParaRPr lang="en-US" sz="1600" b="0" dirty="0"/>
+                    </a:p>
+                  </a:txBody>
+                  <a:tcPr/>
+                </a:tc>
+                <a:tc>
+                  <a:txBody>
+                    <a:bodyPr/>
+                    <a:lstStyle/>
+                    <a:p>
+                      <a:pPr algn="l"/>
+                      <a:r>
+                        <a:rPr lang="en-US" sz="1600" b="0" dirty="0" smtClean="0"/>
+                        <a:t>- Never work with </a:t>
+                      </a:r>
+                      <a:r>
+                        <a:rPr lang="en-US" sz="1600" b="0" dirty="0" err="1" smtClean="0"/>
+                        <a:t>Yocto</a:t>
+                      </a:r>
+                      <a:r>
+                        <a:rPr lang="en-US" sz="1600" b="0" dirty="0" smtClean="0"/>
+                        <a:t> project and </a:t>
+                      </a:r>
+                      <a:r>
+                        <a:rPr lang="en-US" sz="1600" b="0" dirty="0" err="1" smtClean="0"/>
+                        <a:t>Qt</a:t>
+                      </a:r>
+                      <a:r>
+                        <a:rPr lang="en-US" sz="1600" b="0" dirty="0" smtClean="0"/>
+                        <a:t> environment before</a:t>
+                      </a:r>
+                      <a:endParaRPr lang="en-US" sz="1600" b="0" dirty="0"/>
+                    </a:p>
+                  </a:txBody>
+                  <a:tcPr/>
+                </a:tc>
+              </a:tr>
+              <a:tr h="631377">
+                <a:tc>
+                  <a:txBody>
+                    <a:bodyPr/>
+                    <a:lstStyle/>
+                    <a:p>
+                      <a:pPr algn="just"/>
+                      <a:r>
+                        <a:rPr lang="en-US" sz="1600" b="0" dirty="0" smtClean="0"/>
+                        <a:t>Readability</a:t>
+                      </a:r>
+                      <a:endParaRPr lang="en-US" sz="1600" b="0" dirty="0"/>
+                    </a:p>
+                  </a:txBody>
+                  <a:tcPr/>
+                </a:tc>
+                <a:tc>
+                  <a:txBody>
+                    <a:bodyPr/>
+                    <a:lstStyle/>
+                    <a:p>
+                      <a:pPr algn="l"/>
+                      <a:r>
+                        <a:rPr lang="en-US" sz="1600" b="0" dirty="0" smtClean="0"/>
+                        <a:t>- Create program with low readability.</a:t>
+                      </a:r>
+                      <a:endParaRPr lang="en-US" sz="1600" b="0" dirty="0"/>
+                    </a:p>
+                  </a:txBody>
+                  <a:tcPr/>
+                </a:tc>
+                <a:tc>
+                  <a:txBody>
+                    <a:bodyPr/>
+                    <a:lstStyle/>
+                    <a:p>
+                      <a:pPr marL="0" indent="0" algn="l">
+                        <a:buFontTx/>
+                        <a:buNone/>
+                      </a:pPr>
+                      <a:r>
+                        <a:rPr lang="en-US" sz="1600" b="0" dirty="0" smtClean="0"/>
+                        <a:t>-</a:t>
+                      </a:r>
+                      <a:r>
+                        <a:rPr lang="en-US" sz="1600" b="0" baseline="0" dirty="0" smtClean="0"/>
+                        <a:t> </a:t>
+                      </a:r>
+                      <a:r>
+                        <a:rPr lang="en-US" sz="1600" b="0" dirty="0" smtClean="0"/>
+                        <a:t>Have little knowledge in coding rules</a:t>
+                      </a:r>
+                    </a:p>
+                    <a:p>
+                      <a:pPr marL="0" indent="0" algn="l">
+                        <a:buFontTx/>
+                        <a:buNone/>
+                      </a:pPr>
+                      <a:r>
+                        <a:rPr lang="en-US" sz="1600" b="0" dirty="0" smtClean="0"/>
+                        <a:t>- Have</a:t>
+                      </a:r>
+                      <a:r>
+                        <a:rPr lang="en-US" sz="1600" b="0" baseline="0" dirty="0" smtClean="0"/>
+                        <a:t> no experience in coding project</a:t>
                       </a:r>
                       <a:endParaRPr lang="en-US" sz="1600" b="0" dirty="0"/>
                     </a:p>
@@ -14120,18 +15698,22 @@
                       <a:pPr algn="just"/>
                       <a:r>
                         <a:rPr lang="en-US" sz="1600" b="0" dirty="0" smtClean="0"/>
-                        <a:t>Development</a:t>
+                        <a:t>Software</a:t>
                       </a:r>
                     </a:p>
                     <a:p>
                       <a:pPr algn="just"/>
                       <a:r>
                         <a:rPr lang="en-US" sz="1600" b="0" dirty="0" smtClean="0"/>
-                        <a:t>environment</a:t>
+                        <a:t>development</a:t>
                       </a:r>
                     </a:p>
                     <a:p>
                       <a:pPr algn="just"/>
+                      <a:r>
+                        <a:rPr lang="en-US" sz="1600" b="0" dirty="0" smtClean="0"/>
+                        <a:t>methodology</a:t>
+                      </a:r>
                       <a:endParaRPr lang="en-US" sz="1600" b="0" dirty="0"/>
                     </a:p>
                   </a:txBody>
@@ -14145,147 +15727,7 @@
                       <a:pPr algn="l"/>
                       <a:r>
                         <a:rPr lang="en-US" sz="1600" b="0" dirty="0" smtClean="0"/>
-                        <a:t>- Do not understand clearly about </a:t>
-                      </a:r>
-                      <a:r>
-                        <a:rPr lang="en-US" sz="1600" b="0" dirty="0" err="1" smtClean="0"/>
-                        <a:t>Qt</a:t>
-                      </a:r>
-                      <a:r>
-                        <a:rPr lang="en-US" sz="1600" b="0" dirty="0" smtClean="0"/>
-                        <a:t>,  </a:t>
-                      </a:r>
-                      <a:r>
-                        <a:rPr lang="en-US" sz="1600" b="0" dirty="0" err="1" smtClean="0"/>
-                        <a:t>Yocto</a:t>
-                      </a:r>
-                      <a:r>
-                        <a:rPr lang="en-US" sz="1600" b="0" dirty="0" smtClean="0"/>
-                        <a:t> project</a:t>
-                      </a:r>
-                      <a:endParaRPr lang="en-US" sz="1600" b="0" dirty="0"/>
-                    </a:p>
-                  </a:txBody>
-                  <a:tcPr/>
-                </a:tc>
-                <a:tc>
-                  <a:txBody>
-                    <a:bodyPr/>
-                    <a:lstStyle/>
-                    <a:p>
-                      <a:pPr algn="l"/>
-                      <a:r>
-                        <a:rPr lang="en-US" sz="1600" b="0" dirty="0" smtClean="0"/>
-                        <a:t>- Never work with </a:t>
-                      </a:r>
-                      <a:r>
-                        <a:rPr lang="en-US" sz="1600" b="0" dirty="0" err="1" smtClean="0"/>
-                        <a:t>Yocto</a:t>
-                      </a:r>
-                      <a:r>
-                        <a:rPr lang="en-US" sz="1600" b="0" dirty="0" smtClean="0"/>
-                        <a:t> project and </a:t>
-                      </a:r>
-                      <a:r>
-                        <a:rPr lang="en-US" sz="1600" b="0" dirty="0" err="1" smtClean="0"/>
-                        <a:t>Qt</a:t>
-                      </a:r>
-                      <a:r>
-                        <a:rPr lang="en-US" sz="1600" b="0" dirty="0" smtClean="0"/>
-                        <a:t> environment before</a:t>
-                      </a:r>
-                      <a:endParaRPr lang="en-US" sz="1600" b="0" dirty="0"/>
-                    </a:p>
-                  </a:txBody>
-                  <a:tcPr/>
-                </a:tc>
-              </a:tr>
-              <a:tr h="631377">
-                <a:tc>
-                  <a:txBody>
-                    <a:bodyPr/>
-                    <a:lstStyle/>
-                    <a:p>
-                      <a:pPr algn="just"/>
-                      <a:r>
-                        <a:rPr lang="en-US" sz="1600" b="0" dirty="0" smtClean="0"/>
-                        <a:t>Readability</a:t>
-                      </a:r>
-                      <a:endParaRPr lang="en-US" sz="1600" b="0" dirty="0"/>
-                    </a:p>
-                  </a:txBody>
-                  <a:tcPr/>
-                </a:tc>
-                <a:tc>
-                  <a:txBody>
-                    <a:bodyPr/>
-                    <a:lstStyle/>
-                    <a:p>
-                      <a:pPr algn="l"/>
-                      <a:r>
-                        <a:rPr lang="en-US" sz="1600" b="0" dirty="0" smtClean="0"/>
-                        <a:t>- Create program with low readability.</a:t>
-                      </a:r>
-                      <a:endParaRPr lang="en-US" sz="1600" b="0" dirty="0"/>
-                    </a:p>
-                  </a:txBody>
-                  <a:tcPr/>
-                </a:tc>
-                <a:tc>
-                  <a:txBody>
-                    <a:bodyPr/>
-                    <a:lstStyle/>
-                    <a:p>
-                      <a:pPr algn="l"/>
-                      <a:r>
-                        <a:rPr lang="en-US" sz="1600" b="0" dirty="0" smtClean="0"/>
-                        <a:t>- Have little knowledge in coding rules and real project.</a:t>
-                      </a:r>
-                      <a:endParaRPr lang="en-US" sz="1600" b="0" dirty="0"/>
-                    </a:p>
-                  </a:txBody>
-                  <a:tcPr/>
-                </a:tc>
-              </a:tr>
-              <a:tr h="844777">
-                <a:tc>
-                  <a:txBody>
-                    <a:bodyPr/>
-                    <a:lstStyle/>
-                    <a:p>
-                      <a:pPr algn="just"/>
-                      <a:r>
-                        <a:rPr lang="en-US" sz="1600" b="0" dirty="0" smtClean="0"/>
-                        <a:t>Software</a:t>
-                      </a:r>
-                    </a:p>
-                    <a:p>
-                      <a:pPr algn="just"/>
-                      <a:r>
-                        <a:rPr lang="en-US" sz="1600" b="0" dirty="0" smtClean="0"/>
-                        <a:t>development</a:t>
-                      </a:r>
-                    </a:p>
-                    <a:p>
-                      <a:pPr algn="just"/>
-                      <a:r>
-                        <a:rPr lang="en-US" sz="1600" b="0" dirty="0" smtClean="0"/>
-                        <a:t>methodology</a:t>
-                      </a:r>
-                      <a:endParaRPr lang="en-US" sz="1600" b="0" dirty="0"/>
-                    </a:p>
-                  </a:txBody>
-                  <a:tcPr/>
-                </a:tc>
-                <a:tc>
-                  <a:txBody>
-                    <a:bodyPr/>
-                    <a:lstStyle/>
-                    <a:p>
-                      <a:pPr algn="l"/>
-                      <a:r>
-                        <a:rPr lang="en-US" sz="1600" b="0" dirty="0" smtClean="0"/>
-                        <a:t>- Do not understand clearly about structure</a:t>
+                        <a:t>- Can not make structured</a:t>
                       </a:r>
                       <a:r>
                         <a:rPr lang="en-US" sz="1600" b="0" baseline="0" dirty="0" smtClean="0"/>
@@ -14355,15 +15797,15 @@
                       <a:pPr algn="l"/>
                       <a:r>
                         <a:rPr lang="en-US" sz="1600" b="0" dirty="0" smtClean="0"/>
-                        <a:t>- Need support to find root cause of</a:t>
+                        <a:t>- Can</a:t>
                       </a:r>
                       <a:r>
                         <a:rPr lang="en-US" sz="1600" b="0" baseline="0" dirty="0" smtClean="0"/>
-                        <a:t>  </a:t>
+                        <a:t> not </a:t>
                       </a:r>
                       <a:r>
                         <a:rPr lang="en-US" sz="1600" b="0" dirty="0" smtClean="0"/>
-                        <a:t>bugs/issues.</a:t>
+                        <a:t>analyze and locate cause of issues</a:t>
                       </a:r>
                     </a:p>
                     <a:p>
@@ -14385,14 +15827,14 @@
                       <a:pPr algn="l"/>
                       <a:r>
                         <a:rPr lang="en-US" sz="1600" b="0" dirty="0" smtClean="0"/>
-                        <a:t>- Have not practice in failure analysis.</a:t>
+                        <a:t>- Do not practice in failure analysis.</a:t>
                       </a:r>
                     </a:p>
                     <a:p>
                       <a:pPr algn="l"/>
                       <a:r>
                         <a:rPr lang="en-US" sz="1600" b="0" dirty="0" smtClean="0"/>
-                        <a:t>- Inefficient verification and analysis method.</a:t>
+                        <a:t>- The method of verification and analysis is not effective.</a:t>
                       </a:r>
                       <a:endParaRPr lang="en-US" sz="1600" b="0" dirty="0"/>
                     </a:p>
@@ -14414,6 +15856,13 @@
   <p:clrMapOvr>
     <a:masterClrMapping/>
   </p:clrMapOvr>
+  <p:timing>
+    <p:tnLst>
+      <p:par>
+        <p:cTn id="1" dur="indefinite" restart="never" nodeType="tmRoot"/>
+      </p:par>
+    </p:tnLst>
+  </p:timing>
 </p:sld>
 </file>
 
@@ -14447,7 +15896,7 @@
         <p:spPr>
           <a:xfrm>
             <a:off x="1080000" y="936000"/>
-            <a:ext cx="8520000" cy="443198"/>
+            <a:ext cx="4783771" cy="443198"/>
           </a:xfrm>
         </p:spPr>
         <p:txBody>
@@ -14456,7 +15905,7 @@
           <a:p>
             <a:r>
               <a:rPr lang="en-US" dirty="0" smtClean="0"/>
-              <a:t>2. Gap &amp; analysis (2/2)</a:t>
+              <a:t>2. Gap and analysis (2/2)</a:t>
             </a:r>
             <a:endParaRPr lang="en-US" dirty="0"/>
           </a:p>
@@ -14513,14 +15962,14 @@
             <p:ph idx="1"/>
             <p:extLst>
               <p:ext uri="{D42A27DB-BD31-4B8C-83A1-F6EECF244321}">
-                <p14:modId xmlns:p14="http://schemas.microsoft.com/office/powerpoint/2010/main" val="4212666167"/>
+                <p14:modId xmlns:p14="http://schemas.microsoft.com/office/powerpoint/2010/main" val="2186552478"/>
               </p:ext>
             </p:extLst>
           </p:nvPr>
         </p:nvGraphicFramePr>
         <p:xfrm>
           <a:off x="437662" y="1719383"/>
-          <a:ext cx="11277600" cy="4162579"/>
+          <a:ext cx="11277600" cy="4354162"/>
         </p:xfrm>
         <a:graphic>
           <a:graphicData uri="http://schemas.openxmlformats.org/drawingml/2006/table">
@@ -14588,8 +16037,12 @@
                     <a:p>
                       <a:pPr algn="just"/>
                       <a:r>
+                        <a:rPr lang="en-US" sz="1600" b="0" dirty="0" err="1" smtClean="0"/>
+                        <a:t>SoC</a:t>
+                      </a:r>
+                      <a:r>
                         <a:rPr lang="en-US" sz="1600" b="0" dirty="0" smtClean="0"/>
-                        <a:t>Software coding</a:t>
+                        <a:t> architecture</a:t>
                       </a:r>
                       <a:endParaRPr lang="en-US" sz="1600" b="0" dirty="0"/>
                     </a:p>
@@ -14607,15 +16060,27 @@
                       </a:pPr>
                       <a:r>
                         <a:rPr lang="en-US" sz="1600" b="0" dirty="0" smtClean="0"/>
-                        <a:t>- Do not understand clearly about R-Car H2, M2, E2</a:t>
+                        <a:t>- Do not understand clearly about </a:t>
+                      </a:r>
+                      <a:r>
+                        <a:rPr lang="en-US" sz="1600" b="0" dirty="0" err="1" smtClean="0"/>
+                        <a:t>SoC</a:t>
+                      </a:r>
+                      <a:r>
+                        <a:rPr lang="en-US" sz="1600" b="0" dirty="0" smtClean="0"/>
+                        <a:t> architecture of</a:t>
                       </a:r>
                       <a:r>
                         <a:rPr lang="en-US" sz="1600" b="0" baseline="0" dirty="0" smtClean="0"/>
                         <a:t> </a:t>
                       </a:r>
                       <a:r>
+                        <a:rPr lang="en-US" sz="1600" b="0" baseline="0" dirty="0" err="1" smtClean="0"/>
+                        <a:t>Renesas</a:t>
+                      </a:r>
+                      <a:r>
                         <a:rPr lang="en-US" sz="1600" b="0" dirty="0" smtClean="0"/>
-                        <a:t>and RZ/G architecture.</a:t>
+                        <a:t>.</a:t>
                       </a:r>
                       <a:endParaRPr lang="en-US" sz="1600" b="0" dirty="0"/>
                     </a:p>
@@ -14665,11 +16130,7 @@
                       <a:pPr algn="l"/>
                       <a:r>
                         <a:rPr lang="en-US" sz="1600" b="0" dirty="0" smtClean="0"/>
-                        <a:t>- Do not understand clearly about OS architecture </a:t>
-                      </a:r>
-                      <a:r>
-                        <a:rPr lang="en-US" sz="1600" b="0" dirty="0" smtClean="0"/>
-                        <a:t>and</a:t>
+                        <a:t>- Do not understand clearly about OS architecture and</a:t>
                       </a:r>
                       <a:r>
                         <a:rPr lang="en-US" sz="1600" b="0" baseline="0" dirty="0" smtClean="0"/>
@@ -14677,11 +16138,7 @@
                       </a:r>
                       <a:r>
                         <a:rPr lang="en-US" sz="1600" b="0" dirty="0" smtClean="0"/>
-                        <a:t>operation</a:t>
-                      </a:r>
-                      <a:r>
-                        <a:rPr lang="en-US" sz="1600" b="0" dirty="0" smtClean="0"/>
-                        <a:t>, Linux kernel and device driver.</a:t>
+                        <a:t>operation, Linux kernel and device driver.</a:t>
                       </a:r>
                       <a:endParaRPr lang="en-US" sz="1600" b="0" dirty="0"/>
                     </a:p>
@@ -14743,7 +16200,7 @@
                       <a:pPr algn="l"/>
                       <a:r>
                         <a:rPr lang="en-US" sz="1600" b="0" dirty="0" smtClean="0"/>
-                        <a:t>- Do not understand clearly about development</a:t>
+                        <a:t>- Do not know about development</a:t>
                       </a:r>
                     </a:p>
                     <a:p>
@@ -14752,7 +16209,13 @@
                         <a:rPr lang="en-US" sz="1600" b="0" dirty="0" smtClean="0"/>
                         <a:t>process of RZ/G product.</a:t>
                       </a:r>
-                      <a:endParaRPr lang="en-US" sz="1600" b="0" dirty="0"/>
+                    </a:p>
+                    <a:p>
+                      <a:pPr algn="l"/>
+                      <a:r>
+                        <a:rPr lang="en-US" sz="1600" b="0" dirty="0" smtClean="0"/>
+                        <a:t>- Have not used any development process yet</a:t>
+                      </a:r>
                     </a:p>
                   </a:txBody>
                   <a:tcPr/>
@@ -14765,7 +16228,7 @@
                       <a:pPr algn="l"/>
                       <a:r>
                         <a:rPr lang="en-US" sz="1600" b="0" dirty="0" smtClean="0"/>
-                        <a:t>- Never work with RZ/G product before.</a:t>
+                        <a:t>- Never work with RZ/G products before.</a:t>
                       </a:r>
                       <a:endParaRPr lang="en-US" sz="1600" b="0" dirty="0"/>
                     </a:p>
@@ -14797,7 +16260,7 @@
                       <a:pPr algn="l"/>
                       <a:r>
                         <a:rPr lang="en-US" sz="1600" b="0" dirty="0" smtClean="0"/>
-                        <a:t>- Do not spend time for tasks effective.</a:t>
+                        <a:t>- The plan is not specific enough.</a:t>
                       </a:r>
                       <a:endParaRPr lang="en-US" sz="1600" b="0" dirty="0"/>
                     </a:p>
@@ -14888,6 +16351,13 @@
   <p:clrMapOvr>
     <a:masterClrMapping/>
   </p:clrMapOvr>
+  <p:timing>
+    <p:tnLst>
+      <p:par>
+        <p:cTn id="1" dur="indefinite" restart="never" nodeType="tmRoot"/>
+      </p:par>
+    </p:tnLst>
+  </p:timing>
 </p:sld>
 </file>
 
@@ -14918,7 +16388,12 @@
             <p:ph type="title"/>
           </p:nvPr>
         </p:nvSpPr>
-        <p:spPr/>
+        <p:spPr>
+          <a:xfrm>
+            <a:off x="1080000" y="899886"/>
+            <a:ext cx="1648686" cy="479312"/>
+          </a:xfrm>
+        </p:spPr>
         <p:txBody>
           <a:bodyPr/>
           <a:lstStyle/>
@@ -14986,19 +16461,7 @@
             </a:pPr>
             <a:r>
               <a:rPr lang="de-DE" sz="2400" dirty="0" smtClean="0"/>
-              <a:t>Target &amp;</a:t>
-            </a:r>
-            <a:r>
-              <a:rPr lang="de-DE" sz="2400" dirty="0">
-                <a:solidFill>
-                  <a:schemeClr val="accent2"/>
-                </a:solidFill>
-              </a:rPr>
-              <a:t> </a:t>
-            </a:r>
-            <a:r>
-              <a:rPr lang="de-DE" sz="2400" dirty="0" smtClean="0"/>
-              <a:t>Current status</a:t>
+              <a:t>Target and Current status</a:t>
             </a:r>
             <a:r>
               <a:rPr lang="de-DE" sz="2400" dirty="0"/>
@@ -15012,7 +16475,7 @@
             </a:pPr>
             <a:r>
               <a:rPr lang="de-DE" sz="2400" dirty="0" smtClean="0"/>
-              <a:t>Analysis and solution</a:t>
+              <a:t>Gap and Analysis</a:t>
             </a:r>
             <a:r>
               <a:rPr lang="de-DE" sz="2400" dirty="0"/>
@@ -15036,7 +16499,7 @@
             </a:pPr>
             <a:r>
               <a:rPr lang="de-DE" sz="2400" dirty="0" smtClean="0"/>
-              <a:t>Sumary </a:t>
+              <a:t>Summary </a:t>
             </a:r>
             <a:r>
               <a:rPr lang="de-DE" sz="2400" dirty="0"/>
@@ -15524,4 +16987,265 @@
     </a:ext>
   </a:extLst>
 </a:theme>
+</file>
+
+<file path=ppt/theme/theme3.xml><?xml version="1.0" encoding="utf-8"?>
+<a:theme xmlns:a="http://schemas.openxmlformats.org/drawingml/2006/main" name="Office Theme">
+  <a:themeElements>
+    <a:clrScheme name="Office">
+      <a:dk1>
+        <a:sysClr val="windowText" lastClr="000000"/>
+      </a:dk1>
+      <a:lt1>
+        <a:sysClr val="window" lastClr="FFFFFF"/>
+      </a:lt1>
+      <a:dk2>
+        <a:srgbClr val="44546A"/>
+      </a:dk2>
+      <a:lt2>
+        <a:srgbClr val="E7E6E6"/>
+      </a:lt2>
+      <a:accent1>
+        <a:srgbClr val="5B9BD5"/>
+      </a:accent1>
+      <a:accent2>
+        <a:srgbClr val="ED7D31"/>
+      </a:accent2>
+      <a:accent3>
+        <a:srgbClr val="A5A5A5"/>
+      </a:accent3>
+      <a:accent4>
+        <a:srgbClr val="FFC000"/>
+      </a:accent4>
+      <a:accent5>
+        <a:srgbClr val="4472C4"/>
+      </a:accent5>
+      <a:accent6>
+        <a:srgbClr val="70AD47"/>
+      </a:accent6>
+      <a:hlink>
+        <a:srgbClr val="0563C1"/>
+      </a:hlink>
+      <a:folHlink>
+        <a:srgbClr val="954F72"/>
+      </a:folHlink>
+    </a:clrScheme>
+    <a:fontScheme name="Office">
+      <a:majorFont>
+        <a:latin typeface="Calibri Light" panose="020F0302020204030204"/>
+        <a:ea typeface=""/>
+        <a:cs typeface=""/>
+        <a:font script="Jpan" typeface="ＭＳ Ｐゴシック"/>
+        <a:font script="Hang" typeface="맑은 고딕"/>
+        <a:font script="Hans" typeface="宋体"/>
+        <a:font script="Hant" typeface="新細明體"/>
+        <a:font script="Arab" typeface="Times New Roman"/>
+        <a:font script="Hebr" typeface="Times New Roman"/>
+        <a:font script="Thai" typeface="Angsana New"/>
+        <a:font script="Ethi" typeface="Nyala"/>
+        <a:font script="Beng" typeface="Vrinda"/>
+        <a:font script="Gujr" typeface="Shruti"/>
+        <a:font script="Khmr" typeface="MoolBoran"/>
+        <a:font script="Knda" typeface="Tunga"/>
+        <a:font script="Guru" typeface="Raavi"/>
+        <a:font script="Cans" typeface="Euphemia"/>
+        <a:font script="Cher" typeface="Plantagenet Cherokee"/>
+        <a:font script="Yiii" typeface="Microsoft Yi Baiti"/>
+        <a:font script="Tibt" typeface="Microsoft Himalaya"/>
+        <a:font script="Thaa" typeface="MV Boli"/>
+        <a:font script="Deva" typeface="Mangal"/>
+        <a:font script="Telu" typeface="Gautami"/>
+        <a:font script="Taml" typeface="Latha"/>
+        <a:font script="Syrc" typeface="Estrangelo Edessa"/>
+        <a:font script="Orya" typeface="Kalinga"/>
+        <a:font script="Mlym" typeface="Kartika"/>
+        <a:font script="Laoo" typeface="DokChampa"/>
+        <a:font script="Sinh" typeface="Iskoola Pota"/>
+        <a:font script="Mong" typeface="Mongolian Baiti"/>
+        <a:font script="Viet" typeface="Times New Roman"/>
+        <a:font script="Uigh" typeface="Microsoft Uighur"/>
+        <a:font script="Geor" typeface="Sylfaen"/>
+      </a:majorFont>
+      <a:minorFont>
+        <a:latin typeface="Calibri" panose="020F0502020204030204"/>
+        <a:ea typeface=""/>
+        <a:cs typeface=""/>
+        <a:font script="Jpan" typeface="ＭＳ Ｐゴシック"/>
+        <a:font script="Hang" typeface="맑은 고딕"/>
+        <a:font script="Hans" typeface="宋体"/>
+        <a:font script="Hant" typeface="新細明體"/>
+        <a:font script="Arab" typeface="Arial"/>
+        <a:font script="Hebr" typeface="Arial"/>
+        <a:font script="Thai" typeface="Cordia New"/>
+        <a:font script="Ethi" typeface="Nyala"/>
+        <a:font script="Beng" typeface="Vrinda"/>
+        <a:font script="Gujr" typeface="Shruti"/>
+        <a:font script="Khmr" typeface="DaunPenh"/>
+        <a:font script="Knda" typeface="Tunga"/>
+        <a:font script="Guru" typeface="Raavi"/>
+        <a:font script="Cans" typeface="Euphemia"/>
+        <a:font script="Cher" typeface="Plantagenet Cherokee"/>
+        <a:font script="Yiii" typeface="Microsoft Yi Baiti"/>
+        <a:font script="Tibt" typeface="Microsoft Himalaya"/>
+        <a:font script="Thaa" typeface="MV Boli"/>
+        <a:font script="Deva" typeface="Mangal"/>
+        <a:font script="Telu" typeface="Gautami"/>
+        <a:font script="Taml" typeface="Latha"/>
+        <a:font script="Syrc" typeface="Estrangelo Edessa"/>
+        <a:font script="Orya" typeface="Kalinga"/>
+        <a:font script="Mlym" typeface="Kartika"/>
+        <a:font script="Laoo" typeface="DokChampa"/>
+        <a:font script="Sinh" typeface="Iskoola Pota"/>
+        <a:font script="Mong" typeface="Mongolian Baiti"/>
+        <a:font script="Viet" typeface="Arial"/>
+        <a:font script="Uigh" typeface="Microsoft Uighur"/>
+        <a:font script="Geor" typeface="Sylfaen"/>
+      </a:minorFont>
+    </a:fontScheme>
+    <a:fmtScheme name="Office">
+      <a:fillStyleLst>
+        <a:solidFill>
+          <a:schemeClr val="phClr"/>
+        </a:solidFill>
+        <a:gradFill rotWithShape="1">
+          <a:gsLst>
+            <a:gs pos="0">
+              <a:schemeClr val="phClr">
+                <a:lumMod val="110000"/>
+                <a:satMod val="105000"/>
+                <a:tint val="67000"/>
+              </a:schemeClr>
+            </a:gs>
+            <a:gs pos="50000">
+              <a:schemeClr val="phClr">
+                <a:lumMod val="105000"/>
+                <a:satMod val="103000"/>
+                <a:tint val="73000"/>
+              </a:schemeClr>
+            </a:gs>
+            <a:gs pos="100000">
+              <a:schemeClr val="phClr">
+                <a:lumMod val="105000"/>
+                <a:satMod val="109000"/>
+                <a:tint val="81000"/>
+              </a:schemeClr>
+            </a:gs>
+          </a:gsLst>
+          <a:lin ang="5400000" scaled="0"/>
+        </a:gradFill>
+        <a:gradFill rotWithShape="1">
+          <a:gsLst>
+            <a:gs pos="0">
+              <a:schemeClr val="phClr">
+                <a:satMod val="103000"/>
+                <a:lumMod val="102000"/>
+                <a:tint val="94000"/>
+              </a:schemeClr>
+            </a:gs>
+            <a:gs pos="50000">
+              <a:schemeClr val="phClr">
+                <a:satMod val="110000"/>
+                <a:lumMod val="100000"/>
+                <a:shade val="100000"/>
+              </a:schemeClr>
+            </a:gs>
+            <a:gs pos="100000">
+              <a:schemeClr val="phClr">
+                <a:lumMod val="99000"/>
+                <a:satMod val="120000"/>
+                <a:shade val="78000"/>
+              </a:schemeClr>
+            </a:gs>
+          </a:gsLst>
+          <a:lin ang="5400000" scaled="0"/>
+        </a:gradFill>
+      </a:fillStyleLst>
+      <a:lnStyleLst>
+        <a:ln w="6350" cap="flat" cmpd="sng" algn="ctr">
+          <a:solidFill>
+            <a:schemeClr val="phClr"/>
+          </a:solidFill>
+          <a:prstDash val="solid"/>
+          <a:miter lim="800000"/>
+        </a:ln>
+        <a:ln w="12700" cap="flat" cmpd="sng" algn="ctr">
+          <a:solidFill>
+            <a:schemeClr val="phClr"/>
+          </a:solidFill>
+          <a:prstDash val="solid"/>
+          <a:miter lim="800000"/>
+        </a:ln>
+        <a:ln w="19050" cap="flat" cmpd="sng" algn="ctr">
+          <a:solidFill>
+            <a:schemeClr val="phClr"/>
+          </a:solidFill>
+          <a:prstDash val="solid"/>
+          <a:miter lim="800000"/>
+        </a:ln>
+      </a:lnStyleLst>
+      <a:effectStyleLst>
+        <a:effectStyle>
+          <a:effectLst/>
+        </a:effectStyle>
+        <a:effectStyle>
+          <a:effectLst/>
+        </a:effectStyle>
+        <a:effectStyle>
+          <a:effectLst>
+            <a:outerShdw blurRad="57150" dist="19050" dir="5400000" algn="ctr" rotWithShape="0">
+              <a:srgbClr val="000000">
+                <a:alpha val="63000"/>
+              </a:srgbClr>
+            </a:outerShdw>
+          </a:effectLst>
+        </a:effectStyle>
+      </a:effectStyleLst>
+      <a:bgFillStyleLst>
+        <a:solidFill>
+          <a:schemeClr val="phClr"/>
+        </a:solidFill>
+        <a:solidFill>
+          <a:schemeClr val="phClr">
+            <a:tint val="95000"/>
+            <a:satMod val="170000"/>
+          </a:schemeClr>
+        </a:solidFill>
+        <a:gradFill rotWithShape="1">
+          <a:gsLst>
+            <a:gs pos="0">
+              <a:schemeClr val="phClr">
+                <a:tint val="93000"/>
+                <a:satMod val="150000"/>
+                <a:shade val="98000"/>
+                <a:lumMod val="102000"/>
+              </a:schemeClr>
+            </a:gs>
+            <a:gs pos="50000">
+              <a:schemeClr val="phClr">
+                <a:tint val="98000"/>
+                <a:satMod val="130000"/>
+                <a:shade val="90000"/>
+                <a:lumMod val="103000"/>
+              </a:schemeClr>
+            </a:gs>
+            <a:gs pos="100000">
+              <a:schemeClr val="phClr">
+                <a:shade val="63000"/>
+                <a:satMod val="120000"/>
+              </a:schemeClr>
+            </a:gs>
+          </a:gsLst>
+          <a:lin ang="5400000" scaled="0"/>
+        </a:gradFill>
+      </a:bgFillStyleLst>
+    </a:fmtScheme>
+  </a:themeElements>
+  <a:objectDefaults/>
+  <a:extraClrSchemeLst/>
+  <a:extLst>
+    <a:ext uri="{05A4C25C-085E-4340-85A3-A5531E510DB2}">
+      <thm15:themeFamily xmlns:thm15="http://schemas.microsoft.com/office/thememl/2012/main" name="Office Theme" id="{62F939B6-93AF-4DB8-9C6B-D6C7DFDC589F}" vid="{4A3C46E8-61CC-4603-A589-7422A47A8E4A}"/>
+    </a:ext>
+  </a:extLst>
+</a:theme>
 </file>